--- a/report/Presentation.pptx
+++ b/report/Presentation.pptx
@@ -13,18 +13,24 @@
     <p:sldId id="263" r:id="rId7"/>
     <p:sldId id="264" r:id="rId8"/>
     <p:sldId id="265" r:id="rId9"/>
-    <p:sldId id="266" r:id="rId10"/>
-    <p:sldId id="267" r:id="rId11"/>
-    <p:sldId id="269" r:id="rId12"/>
-    <p:sldId id="268" r:id="rId13"/>
-    <p:sldId id="277" r:id="rId14"/>
-    <p:sldId id="270" r:id="rId15"/>
-    <p:sldId id="271" r:id="rId16"/>
-    <p:sldId id="273" r:id="rId17"/>
-    <p:sldId id="272" r:id="rId18"/>
-    <p:sldId id="274" r:id="rId19"/>
-    <p:sldId id="275" r:id="rId20"/>
-    <p:sldId id="276" r:id="rId21"/>
+    <p:sldId id="283" r:id="rId10"/>
+    <p:sldId id="266" r:id="rId11"/>
+    <p:sldId id="267" r:id="rId12"/>
+    <p:sldId id="269" r:id="rId13"/>
+    <p:sldId id="268" r:id="rId14"/>
+    <p:sldId id="277" r:id="rId15"/>
+    <p:sldId id="278" r:id="rId16"/>
+    <p:sldId id="279" r:id="rId17"/>
+    <p:sldId id="280" r:id="rId18"/>
+    <p:sldId id="281" r:id="rId19"/>
+    <p:sldId id="270" r:id="rId20"/>
+    <p:sldId id="271" r:id="rId21"/>
+    <p:sldId id="273" r:id="rId22"/>
+    <p:sldId id="282" r:id="rId23"/>
+    <p:sldId id="272" r:id="rId24"/>
+    <p:sldId id="274" r:id="rId25"/>
+    <p:sldId id="275" r:id="rId26"/>
+    <p:sldId id="276" r:id="rId27"/>
   </p:sldIdLst>
   <p:sldSz cx="9144000" cy="6858000" type="screen4x3"/>
   <p:notesSz cx="6858000" cy="9144000"/>
@@ -3279,6 +3285,85 @@
           <a:p>
             <a:r>
               <a:rPr lang="en-GB" dirty="0" smtClean="0"/>
+              <a:t>Our Framework</a:t>
+            </a:r>
+            <a:endParaRPr lang="en-GB" dirty="0"/>
+          </a:p>
+        </p:txBody>
+      </p:sp>
+      <p:sp>
+        <p:nvSpPr>
+          <p:cNvPr id="3" name="Content Placeholder 2"/>
+          <p:cNvSpPr>
+            <a:spLocks noGrp="1"/>
+          </p:cNvSpPr>
+          <p:nvPr>
+            <p:ph idx="1"/>
+          </p:nvPr>
+        </p:nvSpPr>
+        <p:spPr/>
+        <p:txBody>
+          <a:bodyPr/>
+          <a:lstStyle/>
+          <a:p>
+            <a:endParaRPr lang="en-GB" dirty="0"/>
+          </a:p>
+        </p:txBody>
+      </p:sp>
+    </p:spTree>
+    <p:extLst>
+      <p:ext uri="{BB962C8B-B14F-4D97-AF65-F5344CB8AC3E}">
+        <p14:creationId xmlns:p14="http://schemas.microsoft.com/office/powerpoint/2010/main" val="2036134894"/>
+      </p:ext>
+    </p:extLst>
+  </p:cSld>
+  <p:clrMapOvr>
+    <a:masterClrMapping/>
+  </p:clrMapOvr>
+  <p:timing>
+    <p:tnLst>
+      <p:par>
+        <p:cTn id="1" dur="indefinite" restart="never" nodeType="tmRoot"/>
+      </p:par>
+    </p:tnLst>
+  </p:timing>
+</p:sld>
+</file>
+
+<file path=ppt/slides/slide11.xml><?xml version="1.0" encoding="utf-8"?>
+<p:sld xmlns:a="http://schemas.openxmlformats.org/drawingml/2006/main" xmlns:r="http://schemas.openxmlformats.org/officeDocument/2006/relationships" xmlns:p="http://schemas.openxmlformats.org/presentationml/2006/main">
+  <p:cSld>
+    <p:spTree>
+      <p:nvGrpSpPr>
+        <p:cNvPr id="1" name=""/>
+        <p:cNvGrpSpPr/>
+        <p:nvPr/>
+      </p:nvGrpSpPr>
+      <p:grpSpPr>
+        <a:xfrm>
+          <a:off x="0" y="0"/>
+          <a:ext cx="0" cy="0"/>
+          <a:chOff x="0" y="0"/>
+          <a:chExt cx="0" cy="0"/>
+        </a:xfrm>
+      </p:grpSpPr>
+      <p:sp>
+        <p:nvSpPr>
+          <p:cNvPr id="2" name="Title 1"/>
+          <p:cNvSpPr>
+            <a:spLocks noGrp="1"/>
+          </p:cNvSpPr>
+          <p:nvPr>
+            <p:ph type="title"/>
+          </p:nvPr>
+        </p:nvSpPr>
+        <p:spPr/>
+        <p:txBody>
+          <a:bodyPr/>
+          <a:lstStyle/>
+          <a:p>
+            <a:r>
+              <a:rPr lang="en-GB" dirty="0" smtClean="0"/>
               <a:t>Implementation</a:t>
             </a:r>
             <a:endParaRPr lang="en-GB" dirty="0"/>
@@ -3418,152 +3503,6 @@
 </p:sld>
 </file>
 
-<file path=ppt/slides/slide11.xml><?xml version="1.0" encoding="utf-8"?>
-<p:sld xmlns:a="http://schemas.openxmlformats.org/drawingml/2006/main" xmlns:r="http://schemas.openxmlformats.org/officeDocument/2006/relationships" xmlns:p="http://schemas.openxmlformats.org/presentationml/2006/main">
-  <p:cSld>
-    <p:spTree>
-      <p:nvGrpSpPr>
-        <p:cNvPr id="1" name=""/>
-        <p:cNvGrpSpPr/>
-        <p:nvPr/>
-      </p:nvGrpSpPr>
-      <p:grpSpPr>
-        <a:xfrm>
-          <a:off x="0" y="0"/>
-          <a:ext cx="0" cy="0"/>
-          <a:chOff x="0" y="0"/>
-          <a:chExt cx="0" cy="0"/>
-        </a:xfrm>
-      </p:grpSpPr>
-      <p:sp>
-        <p:nvSpPr>
-          <p:cNvPr id="2" name="Title 1"/>
-          <p:cNvSpPr>
-            <a:spLocks noGrp="1"/>
-          </p:cNvSpPr>
-          <p:nvPr>
-            <p:ph type="title"/>
-          </p:nvPr>
-        </p:nvSpPr>
-        <p:spPr/>
-        <p:txBody>
-          <a:bodyPr/>
-          <a:lstStyle/>
-          <a:p>
-            <a:r>
-              <a:rPr lang="en-GB" dirty="0" smtClean="0"/>
-              <a:t>Operation Memory </a:t>
-            </a:r>
-            <a:r>
-              <a:rPr lang="en-GB" dirty="0"/>
-              <a:t>A</a:t>
-            </a:r>
-            <a:r>
-              <a:rPr lang="en-GB" dirty="0" smtClean="0"/>
-              <a:t>ccess</a:t>
-            </a:r>
-            <a:endParaRPr lang="en-GB" dirty="0"/>
-          </a:p>
-        </p:txBody>
-      </p:sp>
-      <p:sp>
-        <p:nvSpPr>
-          <p:cNvPr id="3" name="Content Placeholder 2"/>
-          <p:cNvSpPr>
-            <a:spLocks noGrp="1"/>
-          </p:cNvSpPr>
-          <p:nvPr>
-            <p:ph idx="1"/>
-          </p:nvPr>
-        </p:nvSpPr>
-        <p:spPr/>
-        <p:txBody>
-          <a:bodyPr/>
-          <a:lstStyle/>
-          <a:p>
-            <a:r>
-              <a:rPr lang="en-GB" dirty="0" smtClean="0"/>
-              <a:t>2 versions of each operator</a:t>
-            </a:r>
-          </a:p>
-          <a:p>
-            <a:r>
-              <a:rPr lang="en-GB" dirty="0" smtClean="0"/>
-              <a:t>Differ in operand addressing</a:t>
-            </a:r>
-          </a:p>
-          <a:p>
-            <a:pPr lvl="1"/>
-            <a:r>
-              <a:rPr lang="en-GB" dirty="0" smtClean="0"/>
-              <a:t>“global” operator: expects data to be in </a:t>
-            </a:r>
-            <a:r>
-              <a:rPr lang="en-GB" dirty="0" smtClean="0">
-                <a:solidFill>
-                  <a:srgbClr val="FF0000"/>
-                </a:solidFill>
-              </a:rPr>
-              <a:t>global</a:t>
-            </a:r>
-            <a:r>
-              <a:rPr lang="en-GB" dirty="0" smtClean="0"/>
-              <a:t> </a:t>
-            </a:r>
-            <a:r>
-              <a:rPr lang="en-GB" dirty="0" smtClean="0">
-                <a:solidFill>
-                  <a:srgbClr val="FF0000"/>
-                </a:solidFill>
-              </a:rPr>
-              <a:t>coalesced</a:t>
-            </a:r>
-            <a:r>
-              <a:rPr lang="en-GB" dirty="0" smtClean="0"/>
-              <a:t> memory</a:t>
-            </a:r>
-          </a:p>
-          <a:p>
-            <a:pPr lvl="1"/>
-            <a:r>
-              <a:rPr lang="en-GB" dirty="0" smtClean="0"/>
-              <a:t>“local” operator: expects data to be in </a:t>
-            </a:r>
-            <a:r>
-              <a:rPr lang="en-GB" dirty="0" smtClean="0">
-                <a:solidFill>
-                  <a:srgbClr val="FF0000"/>
-                </a:solidFill>
-              </a:rPr>
-              <a:t>local non-coalesced </a:t>
-            </a:r>
-            <a:r>
-              <a:rPr lang="en-GB" dirty="0" smtClean="0"/>
-              <a:t>memory</a:t>
-            </a:r>
-          </a:p>
-        </p:txBody>
-      </p:sp>
-    </p:spTree>
-    <p:extLst>
-      <p:ext uri="{BB962C8B-B14F-4D97-AF65-F5344CB8AC3E}">
-        <p14:creationId xmlns:p14="http://schemas.microsoft.com/office/powerpoint/2010/main" val="819490721"/>
-      </p:ext>
-    </p:extLst>
-  </p:cSld>
-  <p:clrMapOvr>
-    <a:masterClrMapping/>
-  </p:clrMapOvr>
-  <p:timing>
-    <p:tnLst>
-      <p:par>
-        <p:cTn id="1" dur="indefinite" restart="never" nodeType="tmRoot"/>
-      </p:par>
-    </p:tnLst>
-  </p:timing>
-</p:sld>
-</file>
-
 <file path=ppt/slides/slide12.xml><?xml version="1.0" encoding="utf-8"?>
 <p:sld xmlns:a="http://schemas.openxmlformats.org/drawingml/2006/main" xmlns:r="http://schemas.openxmlformats.org/officeDocument/2006/relationships" xmlns:p="http://schemas.openxmlformats.org/presentationml/2006/main">
   <p:cSld>
@@ -3598,7 +3537,15 @@
           <a:p>
             <a:r>
               <a:rPr lang="en-GB" dirty="0" smtClean="0"/>
-              <a:t>Implemented Operations</a:t>
+              <a:t>Operation Memory </a:t>
+            </a:r>
+            <a:r>
+              <a:rPr lang="en-GB" dirty="0"/>
+              <a:t>A</a:t>
+            </a:r>
+            <a:r>
+              <a:rPr lang="en-GB" dirty="0" smtClean="0"/>
+              <a:t>ccess</a:t>
             </a:r>
             <a:endParaRPr lang="en-GB" dirty="0"/>
           </a:p>
@@ -3621,56 +3568,71 @@
           <a:p>
             <a:r>
               <a:rPr lang="en-GB" dirty="0" smtClean="0"/>
-              <a:t>Addition</a:t>
-            </a:r>
-          </a:p>
-          <a:p>
-            <a:r>
-              <a:rPr lang="en-GB" dirty="0" smtClean="0"/>
-              <a:t>Subtraction</a:t>
-            </a:r>
-          </a:p>
-          <a:p>
-            <a:r>
-              <a:rPr lang="en-GB" dirty="0" smtClean="0"/>
-              <a:t>Multiplication</a:t>
-            </a:r>
-          </a:p>
-          <a:p>
-            <a:r>
-              <a:rPr lang="en-GB" dirty="0" err="1" smtClean="0"/>
-              <a:t>Karatsuba</a:t>
-            </a:r>
-            <a:r>
-              <a:rPr lang="en-GB" dirty="0" smtClean="0"/>
-              <a:t> Multiplication (1-level)</a:t>
-            </a:r>
-          </a:p>
-          <a:p>
-            <a:r>
-              <a:rPr lang="en-GB" dirty="0" smtClean="0"/>
-              <a:t>Modular Addition</a:t>
-            </a:r>
-          </a:p>
-          <a:p>
-            <a:r>
-              <a:rPr lang="en-GB" dirty="0" smtClean="0"/>
-              <a:t>Modular Subtraction</a:t>
-            </a:r>
-          </a:p>
-          <a:p>
-            <a:r>
-              <a:rPr lang="en-GB" dirty="0" smtClean="0"/>
-              <a:t>Montgomery Reduction*</a:t>
-            </a:r>
-            <a:endParaRPr lang="en-GB" dirty="0"/>
+              <a:t>2 versions of each operator</a:t>
+            </a:r>
+          </a:p>
+          <a:p>
+            <a:r>
+              <a:rPr lang="en-GB" dirty="0" smtClean="0"/>
+              <a:t>Differ in operand addressing</a:t>
+            </a:r>
+          </a:p>
+          <a:p>
+            <a:pPr lvl="1"/>
+            <a:r>
+              <a:rPr lang="en-GB" dirty="0" smtClean="0"/>
+              <a:t>“global” operator: expects data to be in </a:t>
+            </a:r>
+            <a:r>
+              <a:rPr lang="en-GB" dirty="0" smtClean="0">
+                <a:solidFill>
+                  <a:srgbClr val="FF0000"/>
+                </a:solidFill>
+              </a:rPr>
+              <a:t>global</a:t>
+            </a:r>
+            <a:r>
+              <a:rPr lang="en-GB" dirty="0" smtClean="0"/>
+              <a:t> </a:t>
+            </a:r>
+            <a:r>
+              <a:rPr lang="en-GB" dirty="0" smtClean="0">
+                <a:solidFill>
+                  <a:srgbClr val="FF0000"/>
+                </a:solidFill>
+              </a:rPr>
+              <a:t>coalesced</a:t>
+            </a:r>
+            <a:r>
+              <a:rPr lang="en-GB" dirty="0" smtClean="0"/>
+              <a:t> memory</a:t>
+            </a:r>
+          </a:p>
+          <a:p>
+            <a:pPr lvl="1"/>
+            <a:r>
+              <a:rPr lang="en-GB" dirty="0" smtClean="0"/>
+              <a:t>“local” operator: expects data to be in </a:t>
+            </a:r>
+            <a:r>
+              <a:rPr lang="en-GB" dirty="0" smtClean="0">
+                <a:solidFill>
+                  <a:srgbClr val="FF0000"/>
+                </a:solidFill>
+              </a:rPr>
+              <a:t>local non-coalesced </a:t>
+            </a:r>
+            <a:r>
+              <a:rPr lang="en-GB" dirty="0" smtClean="0"/>
+              <a:t>memory</a:t>
+            </a:r>
           </a:p>
         </p:txBody>
       </p:sp>
     </p:spTree>
     <p:extLst>
       <p:ext uri="{BB962C8B-B14F-4D97-AF65-F5344CB8AC3E}">
-        <p14:creationId xmlns:p14="http://schemas.microsoft.com/office/powerpoint/2010/main" val="3625645512"/>
+        <p14:creationId xmlns:p14="http://schemas.microsoft.com/office/powerpoint/2010/main" val="819490721"/>
       </p:ext>
     </p:extLst>
   </p:cSld>
@@ -3720,42 +3682,93 @@
           <a:lstStyle/>
           <a:p>
             <a:r>
-              <a:rPr lang="en-GB" smtClean="0"/>
+              <a:rPr lang="en-GB" dirty="0" smtClean="0"/>
+              <a:t>Implemented Operations</a:t>
+            </a:r>
+            <a:endParaRPr lang="en-GB" dirty="0"/>
+          </a:p>
+        </p:txBody>
+      </p:sp>
+      <p:sp>
+        <p:nvSpPr>
+          <p:cNvPr id="3" name="Content Placeholder 2"/>
+          <p:cNvSpPr>
+            <a:spLocks noGrp="1"/>
+          </p:cNvSpPr>
+          <p:nvPr>
+            <p:ph idx="1"/>
+          </p:nvPr>
+        </p:nvSpPr>
+        <p:spPr/>
+        <p:txBody>
+          <a:bodyPr/>
+          <a:lstStyle/>
+          <a:p>
+            <a:r>
+              <a:rPr lang="en-GB" dirty="0" smtClean="0"/>
               <a:t>Addition</a:t>
             </a:r>
+          </a:p>
+          <a:p>
+            <a:r>
+              <a:rPr lang="en-GB" dirty="0" smtClean="0"/>
+              <a:t>Subtraction</a:t>
+            </a:r>
+          </a:p>
+          <a:p>
+            <a:r>
+              <a:rPr lang="en-GB" dirty="0" smtClean="0"/>
+              <a:t>Multiplication</a:t>
+            </a:r>
+          </a:p>
+          <a:p>
+            <a:r>
+              <a:rPr lang="en-GB" dirty="0" err="1" smtClean="0"/>
+              <a:t>Karatsuba</a:t>
+            </a:r>
+            <a:r>
+              <a:rPr lang="en-GB" dirty="0" smtClean="0"/>
+              <a:t> Multiplication (1-level)</a:t>
+            </a:r>
+          </a:p>
+          <a:p>
+            <a:r>
+              <a:rPr lang="en-GB" dirty="0" smtClean="0"/>
+              <a:t>Modular Addition</a:t>
+            </a:r>
+          </a:p>
+          <a:p>
+            <a:r>
+              <a:rPr lang="en-GB" dirty="0" smtClean="0"/>
+              <a:t>Modular Subtraction</a:t>
+            </a:r>
+          </a:p>
+          <a:p>
+            <a:r>
+              <a:rPr lang="en-GB" dirty="0" smtClean="0"/>
+              <a:t>Montgomery Reduction*</a:t>
+            </a:r>
             <a:endParaRPr lang="en-GB" dirty="0"/>
-          </a:p>
-        </p:txBody>
-      </p:sp>
-      <p:sp>
-        <p:nvSpPr>
-          <p:cNvPr id="3" name="Content Placeholder 2"/>
-          <p:cNvSpPr>
-            <a:spLocks noGrp="1"/>
-          </p:cNvSpPr>
-          <p:nvPr>
-            <p:ph idx="1"/>
-          </p:nvPr>
-        </p:nvSpPr>
-        <p:spPr/>
-        <p:txBody>
-          <a:bodyPr/>
-          <a:lstStyle/>
-          <a:p>
-            <a:endParaRPr lang="en-GB"/>
           </a:p>
         </p:txBody>
       </p:sp>
     </p:spTree>
     <p:extLst>
       <p:ext uri="{BB962C8B-B14F-4D97-AF65-F5344CB8AC3E}">
-        <p14:creationId xmlns:p14="http://schemas.microsoft.com/office/powerpoint/2010/main" val="3241981569"/>
+        <p14:creationId xmlns:p14="http://schemas.microsoft.com/office/powerpoint/2010/main" val="3625645512"/>
       </p:ext>
     </p:extLst>
   </p:cSld>
   <p:clrMapOvr>
     <a:masterClrMapping/>
   </p:clrMapOvr>
+  <p:timing>
+    <p:tnLst>
+      <p:par>
+        <p:cTn id="1" dur="indefinite" restart="never" nodeType="tmRoot"/>
+      </p:par>
+    </p:tnLst>
+  </p:timing>
 </p:sld>
 </file>
 
@@ -3793,35 +3806,45 @@
           <a:p>
             <a:r>
               <a:rPr lang="en-GB" dirty="0" smtClean="0"/>
-              <a:t>Benchmark Infrastructure</a:t>
+              <a:t>Addition / Subtraction</a:t>
             </a:r>
             <a:endParaRPr lang="en-GB" dirty="0"/>
           </a:p>
         </p:txBody>
       </p:sp>
-      <p:sp>
-        <p:nvSpPr>
-          <p:cNvPr id="3" name="Content Placeholder 2"/>
-          <p:cNvSpPr>
-            <a:spLocks noGrp="1"/>
-          </p:cNvSpPr>
+      <p:pic>
+        <p:nvPicPr>
+          <p:cNvPr id="4" name="Content Placeholder 3"/>
+          <p:cNvPicPr>
+            <a:picLocks noGrp="1" noChangeAspect="1"/>
+          </p:cNvPicPr>
           <p:nvPr>
             <p:ph idx="1"/>
           </p:nvPr>
-        </p:nvSpPr>
-        <p:spPr/>
-        <p:txBody>
-          <a:bodyPr/>
-          <a:lstStyle/>
-          <a:p>
-            <a:endParaRPr lang="en-GB" dirty="0"/>
-          </a:p>
-        </p:txBody>
-      </p:sp>
+        </p:nvPicPr>
+        <p:blipFill>
+          <a:blip r:embed="rId2">
+            <a:extLst>
+              <a:ext uri="{28A0092B-C50C-407E-A947-70E740481C1C}">
+                <a14:useLocalDpi xmlns:a14="http://schemas.microsoft.com/office/drawing/2010/main" val="0"/>
+              </a:ext>
+            </a:extLst>
+          </a:blip>
+          <a:stretch>
+            <a:fillRect/>
+          </a:stretch>
+        </p:blipFill>
+        <p:spPr>
+          <a:xfrm>
+            <a:off x="457200" y="2950472"/>
+            <a:ext cx="8229600" cy="1825419"/>
+          </a:xfrm>
+        </p:spPr>
+      </p:pic>
     </p:spTree>
     <p:extLst>
       <p:ext uri="{BB962C8B-B14F-4D97-AF65-F5344CB8AC3E}">
-        <p14:creationId xmlns:p14="http://schemas.microsoft.com/office/powerpoint/2010/main" val="1262940810"/>
+        <p14:creationId xmlns:p14="http://schemas.microsoft.com/office/powerpoint/2010/main" val="3241981569"/>
       </p:ext>
     </p:extLst>
   </p:cSld>
@@ -3872,92 +3895,75 @@
           <a:p>
             <a:r>
               <a:rPr lang="en-GB" dirty="0" smtClean="0"/>
-              <a:t>Benchmark Results</a:t>
+              <a:t>Multiplication</a:t>
             </a:r>
             <a:endParaRPr lang="en-GB" dirty="0"/>
           </a:p>
         </p:txBody>
       </p:sp>
-      <p:sp>
-        <p:nvSpPr>
-          <p:cNvPr id="3" name="Content Placeholder 2"/>
-          <p:cNvSpPr>
-            <a:spLocks noGrp="1"/>
-          </p:cNvSpPr>
+      <p:pic>
+        <p:nvPicPr>
+          <p:cNvPr id="4" name="Content Placeholder 3"/>
+          <p:cNvPicPr>
+            <a:picLocks noGrp="1" noChangeAspect="1"/>
+          </p:cNvPicPr>
           <p:nvPr>
             <p:ph idx="1"/>
           </p:nvPr>
-        </p:nvSpPr>
-        <p:spPr/>
-        <p:txBody>
-          <a:bodyPr/>
-          <a:lstStyle/>
-          <a:p>
-            <a:r>
-              <a:rPr lang="en-GB" dirty="0" smtClean="0"/>
-              <a:t>Benchmarks involve 10 consecutive executions of an algorithm.</a:t>
-            </a:r>
-          </a:p>
-          <a:p>
-            <a:r>
-              <a:rPr lang="en-GB" dirty="0" smtClean="0"/>
-              <a:t>Types of benchmarks</a:t>
-            </a:r>
-          </a:p>
-          <a:p>
-            <a:pPr lvl="1"/>
-            <a:r>
-              <a:rPr lang="en-GB" dirty="0" smtClean="0"/>
-              <a:t>Local vs. global memory access</a:t>
-            </a:r>
-          </a:p>
-          <a:p>
-            <a:pPr lvl="1"/>
-            <a:r>
-              <a:rPr lang="en-GB" dirty="0" smtClean="0"/>
-              <a:t>Importance of operand layout in memory</a:t>
-            </a:r>
-          </a:p>
-          <a:p>
-            <a:pPr lvl="1"/>
-            <a:r>
-              <a:rPr lang="en-GB" dirty="0" smtClean="0"/>
-              <a:t>Classical vs. </a:t>
-            </a:r>
-            <a:r>
-              <a:rPr lang="en-GB" dirty="0" err="1" smtClean="0"/>
-              <a:t>Karatsuba</a:t>
-            </a:r>
-            <a:r>
-              <a:rPr lang="en-GB" dirty="0" smtClean="0"/>
-              <a:t> multiplication</a:t>
-            </a:r>
-          </a:p>
-          <a:p>
-            <a:pPr lvl="1"/>
-            <a:r>
-              <a:rPr lang="en-GB" dirty="0" err="1" smtClean="0"/>
-              <a:t>Kepler</a:t>
-            </a:r>
-            <a:r>
-              <a:rPr lang="en-GB" dirty="0" smtClean="0"/>
-              <a:t> vs. Fermi</a:t>
-            </a:r>
-          </a:p>
-          <a:p>
-            <a:pPr lvl="1"/>
-            <a:r>
-              <a:rPr lang="en-GB" dirty="0" smtClean="0"/>
-              <a:t>Warp occupation</a:t>
-            </a:r>
-            <a:endParaRPr lang="en-GB" dirty="0"/>
-          </a:p>
-        </p:txBody>
-      </p:sp>
+        </p:nvPicPr>
+        <p:blipFill>
+          <a:blip r:embed="rId2">
+            <a:extLst>
+              <a:ext uri="{28A0092B-C50C-407E-A947-70E740481C1C}">
+                <a14:useLocalDpi xmlns:a14="http://schemas.microsoft.com/office/drawing/2010/main" val="0"/>
+              </a:ext>
+            </a:extLst>
+          </a:blip>
+          <a:stretch>
+            <a:fillRect/>
+          </a:stretch>
+        </p:blipFill>
+        <p:spPr>
+          <a:xfrm>
+            <a:off x="1547664" y="1276759"/>
+            <a:ext cx="2592288" cy="5392600"/>
+          </a:xfrm>
+        </p:spPr>
+      </p:pic>
+      <p:pic>
+        <p:nvPicPr>
+          <p:cNvPr id="5" name="Picture 4"/>
+          <p:cNvPicPr>
+            <a:picLocks noChangeAspect="1"/>
+          </p:cNvPicPr>
+          <p:nvPr/>
+        </p:nvPicPr>
+        <p:blipFill>
+          <a:blip r:embed="rId3">
+            <a:extLst>
+              <a:ext uri="{28A0092B-C50C-407E-A947-70E740481C1C}">
+                <a14:useLocalDpi xmlns:a14="http://schemas.microsoft.com/office/drawing/2010/main" val="0"/>
+              </a:ext>
+            </a:extLst>
+          </a:blip>
+          <a:stretch>
+            <a:fillRect/>
+          </a:stretch>
+        </p:blipFill>
+        <p:spPr>
+          <a:xfrm>
+            <a:off x="4644008" y="1265202"/>
+            <a:ext cx="2597844" cy="5404157"/>
+          </a:xfrm>
+          <a:prstGeom prst="rect">
+            <a:avLst/>
+          </a:prstGeom>
+        </p:spPr>
+      </p:pic>
     </p:spTree>
     <p:extLst>
       <p:ext uri="{BB962C8B-B14F-4D97-AF65-F5344CB8AC3E}">
-        <p14:creationId xmlns:p14="http://schemas.microsoft.com/office/powerpoint/2010/main" val="3123424124"/>
+        <p14:creationId xmlns:p14="http://schemas.microsoft.com/office/powerpoint/2010/main" val="361341530"/>
       </p:ext>
     </p:extLst>
   </p:cSld>
@@ -4001,58 +4007,61 @@
             <p:ph type="title"/>
           </p:nvPr>
         </p:nvSpPr>
-        <p:spPr/>
-        <p:txBody>
-          <a:bodyPr/>
-          <a:lstStyle/>
-          <a:p>
-            <a:r>
-              <a:rPr lang="en-GB" dirty="0" smtClean="0"/>
-              <a:t>Warp Occupation Results</a:t>
+        <p:spPr>
+          <a:xfrm>
+            <a:off x="467544" y="-243408"/>
+            <a:ext cx="8229600" cy="1143000"/>
+          </a:xfrm>
+        </p:spPr>
+        <p:txBody>
+          <a:bodyPr/>
+          <a:lstStyle/>
+          <a:p>
+            <a:r>
+              <a:rPr lang="en-GB" dirty="0" err="1" smtClean="0"/>
+              <a:t>Karatsuba</a:t>
+            </a:r>
+            <a:r>
+              <a:rPr lang="en-GB" dirty="0" smtClean="0"/>
+              <a:t> Multiplication</a:t>
             </a:r>
             <a:endParaRPr lang="en-GB" dirty="0"/>
           </a:p>
         </p:txBody>
       </p:sp>
-      <p:sp>
-        <p:nvSpPr>
-          <p:cNvPr id="5" name="Content Placeholder 4"/>
-          <p:cNvSpPr>
-            <a:spLocks noGrp="1"/>
-          </p:cNvSpPr>
+      <p:pic>
+        <p:nvPicPr>
+          <p:cNvPr id="4" name="Content Placeholder 3"/>
+          <p:cNvPicPr>
+            <a:picLocks noGrp="1" noChangeAspect="1"/>
+          </p:cNvPicPr>
           <p:nvPr>
             <p:ph idx="1"/>
           </p:nvPr>
-        </p:nvSpPr>
-        <p:spPr/>
-        <p:txBody>
-          <a:bodyPr/>
-          <a:lstStyle/>
-          <a:p>
-            <a:r>
-              <a:rPr lang="en-GB" dirty="0" smtClean="0"/>
-              <a:t>Better to have less blocks, where more threads are used.</a:t>
-            </a:r>
-          </a:p>
-          <a:p>
-            <a:r>
-              <a:rPr lang="en-GB" dirty="0" smtClean="0"/>
-              <a:t>Must keep warp occupation full, at least 32 threads.</a:t>
-            </a:r>
-          </a:p>
-          <a:p>
-            <a:r>
-              <a:rPr lang="en-GB" dirty="0" smtClean="0"/>
-              <a:t>If not, then resources are wasted.</a:t>
-            </a:r>
-            <a:endParaRPr lang="en-GB" dirty="0"/>
-          </a:p>
-        </p:txBody>
-      </p:sp>
+        </p:nvPicPr>
+        <p:blipFill>
+          <a:blip r:embed="rId2">
+            <a:extLst>
+              <a:ext uri="{28A0092B-C50C-407E-A947-70E740481C1C}">
+                <a14:useLocalDpi xmlns:a14="http://schemas.microsoft.com/office/drawing/2010/main" val="0"/>
+              </a:ext>
+            </a:extLst>
+          </a:blip>
+          <a:stretch>
+            <a:fillRect/>
+          </a:stretch>
+        </p:blipFill>
+        <p:spPr>
+          <a:xfrm>
+            <a:off x="2411760" y="548680"/>
+            <a:ext cx="4320480" cy="6217277"/>
+          </a:xfrm>
+        </p:spPr>
+      </p:pic>
     </p:spTree>
     <p:extLst>
       <p:ext uri="{BB962C8B-B14F-4D97-AF65-F5344CB8AC3E}">
-        <p14:creationId xmlns:p14="http://schemas.microsoft.com/office/powerpoint/2010/main" val="1675382120"/>
+        <p14:creationId xmlns:p14="http://schemas.microsoft.com/office/powerpoint/2010/main" val="4065782745"/>
       </p:ext>
     </p:extLst>
   </p:cSld>
@@ -4086,6 +4095,36 @@
           <a:chExt cx="0" cy="0"/>
         </a:xfrm>
       </p:grpSpPr>
+      <p:pic>
+        <p:nvPicPr>
+          <p:cNvPr id="4" name="Picture 3"/>
+          <p:cNvPicPr>
+            <a:picLocks noChangeAspect="1"/>
+          </p:cNvPicPr>
+          <p:nvPr/>
+        </p:nvPicPr>
+        <p:blipFill>
+          <a:blip r:embed="rId2">
+            <a:extLst>
+              <a:ext uri="{28A0092B-C50C-407E-A947-70E740481C1C}">
+                <a14:useLocalDpi xmlns:a14="http://schemas.microsoft.com/office/drawing/2010/main" val="0"/>
+              </a:ext>
+            </a:extLst>
+          </a:blip>
+          <a:stretch>
+            <a:fillRect/>
+          </a:stretch>
+        </p:blipFill>
+        <p:spPr>
+          <a:xfrm>
+            <a:off x="72008" y="1556792"/>
+            <a:ext cx="8964488" cy="4549227"/>
+          </a:xfrm>
+          <a:prstGeom prst="rect">
+            <a:avLst/>
+          </a:prstGeom>
+        </p:spPr>
+      </p:pic>
       <p:sp>
         <p:nvSpPr>
           <p:cNvPr id="2" name="Title 1"/>
@@ -4103,7 +4142,7 @@
           <a:p>
             <a:r>
               <a:rPr lang="en-GB" dirty="0" smtClean="0"/>
-              <a:t>Operator verification</a:t>
+              <a:t>Modular Addition</a:t>
             </a:r>
             <a:endParaRPr lang="en-GB" dirty="0"/>
           </a:p>
@@ -4126,41 +4165,95 @@
           <a:p>
             <a:r>
               <a:rPr lang="en-GB" dirty="0" smtClean="0"/>
-              <a:t>Like benchmark infrastructure</a:t>
-            </a:r>
-          </a:p>
-          <a:p>
-            <a:r>
-              <a:rPr lang="en-GB" dirty="0" smtClean="0"/>
-              <a:t>Operation results recovered from server</a:t>
-            </a:r>
-          </a:p>
-          <a:p>
-            <a:r>
-              <a:rPr lang="en-GB" dirty="0" smtClean="0"/>
-              <a:t>Checked for errors with GMP on host</a:t>
-            </a:r>
+              <a:t>Hypothesis: a, </a:t>
+            </a:r>
+            <a:r>
+              <a:rPr lang="en-GB" dirty="0"/>
+              <a:t>b</a:t>
+            </a:r>
+            <a:r>
+              <a:rPr lang="en-GB" dirty="0" smtClean="0"/>
+              <a:t> &lt; m</a:t>
+            </a:r>
+          </a:p>
+          <a:p>
             <a:endParaRPr lang="en-GB" dirty="0"/>
+          </a:p>
+        </p:txBody>
+      </p:sp>
+      <p:sp>
+        <p:nvSpPr>
+          <p:cNvPr id="5" name="TextBox 4"/>
+          <p:cNvSpPr txBox="1"/>
+          <p:nvPr/>
+        </p:nvSpPr>
+        <p:spPr>
+          <a:xfrm>
+            <a:off x="5652120" y="4221088"/>
+            <a:ext cx="2490041" cy="1938992"/>
+          </a:xfrm>
+          <a:prstGeom prst="rect">
+            <a:avLst/>
+          </a:prstGeom>
+          <a:noFill/>
+        </p:spPr>
+        <p:txBody>
+          <a:bodyPr wrap="none" rtlCol="0">
+            <a:spAutoFit/>
+          </a:bodyPr>
+          <a:lstStyle/>
+          <a:p>
+            <a:r>
+              <a:rPr lang="en-GB" sz="2400" dirty="0" smtClean="0"/>
+              <a:t>c = a + b</a:t>
+            </a:r>
+          </a:p>
+          <a:p>
+            <a:r>
+              <a:rPr lang="en-GB" sz="2400" dirty="0"/>
+              <a:t>c</a:t>
+            </a:r>
+            <a:r>
+              <a:rPr lang="en-GB" sz="2400" dirty="0" smtClean="0"/>
+              <a:t> = c – m</a:t>
+            </a:r>
+          </a:p>
+          <a:p>
+            <a:r>
+              <a:rPr lang="en-GB" sz="2400" dirty="0"/>
+              <a:t>m</a:t>
+            </a:r>
+            <a:r>
+              <a:rPr lang="en-GB" sz="2400" dirty="0" smtClean="0"/>
+              <a:t>ask = 0 – borrow</a:t>
+            </a:r>
+            <a:br>
+              <a:rPr lang="en-GB" sz="2400" dirty="0" smtClean="0"/>
+            </a:br>
+            <a:r>
+              <a:rPr lang="en-GB" sz="2400" dirty="0" smtClean="0"/>
+              <a:t>mask = mask &amp; m</a:t>
+            </a:r>
+          </a:p>
+          <a:p>
+            <a:r>
+              <a:rPr lang="en-GB" sz="2400" dirty="0" smtClean="0"/>
+              <a:t>c = c + mask</a:t>
+            </a:r>
+            <a:endParaRPr lang="en-GB" sz="2400" dirty="0"/>
           </a:p>
         </p:txBody>
       </p:sp>
     </p:spTree>
     <p:extLst>
       <p:ext uri="{BB962C8B-B14F-4D97-AF65-F5344CB8AC3E}">
-        <p14:creationId xmlns:p14="http://schemas.microsoft.com/office/powerpoint/2010/main" val="1305159931"/>
+        <p14:creationId xmlns:p14="http://schemas.microsoft.com/office/powerpoint/2010/main" val="2310699902"/>
       </p:ext>
     </p:extLst>
   </p:cSld>
   <p:clrMapOvr>
     <a:masterClrMapping/>
   </p:clrMapOvr>
-  <p:timing>
-    <p:tnLst>
-      <p:par>
-        <p:cTn id="1" dur="indefinite" restart="never" nodeType="tmRoot"/>
-      </p:par>
-    </p:tnLst>
-  </p:timing>
 </p:sld>
 </file>
 
@@ -4198,7 +4291,7 @@
           <a:p>
             <a:r>
               <a:rPr lang="en-GB" dirty="0" smtClean="0"/>
-              <a:t>Conclusion</a:t>
+              <a:t>Modular Subtraction</a:t>
             </a:r>
             <a:endParaRPr lang="en-GB" dirty="0"/>
           </a:p>
@@ -4221,39 +4314,103 @@
           <a:p>
             <a:r>
               <a:rPr lang="en-GB" dirty="0" smtClean="0"/>
-              <a:t>Project was tedious to start</a:t>
-            </a:r>
-          </a:p>
-          <a:p>
-            <a:r>
-              <a:rPr lang="en-GB" dirty="0" smtClean="0"/>
-              <a:t>Hard time debugging</a:t>
-            </a:r>
-          </a:p>
-          <a:p>
-            <a:r>
-              <a:rPr lang="en-GB" dirty="0" smtClean="0"/>
-              <a:t>First hands-on experience</a:t>
-            </a:r>
-          </a:p>
-          <a:p>
-            <a:r>
-              <a:rPr lang="en-GB" dirty="0" smtClean="0"/>
-              <a:t>Great fun learning</a:t>
-            </a:r>
-          </a:p>
-          <a:p>
-            <a:pPr marL="0" indent="0">
-              <a:buNone/>
-            </a:pPr>
+              <a:t>Similar to modular addition</a:t>
+            </a:r>
+          </a:p>
+          <a:p>
+            <a:r>
+              <a:rPr lang="en-GB" dirty="0" smtClean="0"/>
+              <a:t>Hypothesis: a, b &lt; m</a:t>
+            </a:r>
+          </a:p>
+          <a:p>
             <a:endParaRPr lang="en-GB" dirty="0"/>
+          </a:p>
+        </p:txBody>
+      </p:sp>
+      <p:pic>
+        <p:nvPicPr>
+          <p:cNvPr id="4" name="Picture 3"/>
+          <p:cNvPicPr>
+            <a:picLocks noChangeAspect="1"/>
+          </p:cNvPicPr>
+          <p:nvPr/>
+        </p:nvPicPr>
+        <p:blipFill>
+          <a:blip r:embed="rId2">
+            <a:extLst>
+              <a:ext uri="{28A0092B-C50C-407E-A947-70E740481C1C}">
+                <a14:useLocalDpi xmlns:a14="http://schemas.microsoft.com/office/drawing/2010/main" val="0"/>
+              </a:ext>
+            </a:extLst>
+          </a:blip>
+          <a:stretch>
+            <a:fillRect/>
+          </a:stretch>
+        </p:blipFill>
+        <p:spPr>
+          <a:xfrm>
+            <a:off x="107504" y="2831813"/>
+            <a:ext cx="8964488" cy="3477507"/>
+          </a:xfrm>
+          <a:prstGeom prst="rect">
+            <a:avLst/>
+          </a:prstGeom>
+        </p:spPr>
+      </p:pic>
+      <p:sp>
+        <p:nvSpPr>
+          <p:cNvPr id="5" name="TextBox 4"/>
+          <p:cNvSpPr txBox="1"/>
+          <p:nvPr/>
+        </p:nvSpPr>
+        <p:spPr>
+          <a:xfrm>
+            <a:off x="5652120" y="4581128"/>
+            <a:ext cx="2490041" cy="1569660"/>
+          </a:xfrm>
+          <a:prstGeom prst="rect">
+            <a:avLst/>
+          </a:prstGeom>
+          <a:noFill/>
+        </p:spPr>
+        <p:txBody>
+          <a:bodyPr wrap="none" rtlCol="0">
+            <a:spAutoFit/>
+          </a:bodyPr>
+          <a:lstStyle/>
+          <a:p>
+            <a:r>
+              <a:rPr lang="en-GB" sz="2400" dirty="0" smtClean="0"/>
+              <a:t>c = a – b </a:t>
+            </a:r>
+          </a:p>
+          <a:p>
+            <a:r>
+              <a:rPr lang="en-GB" sz="2400" dirty="0" smtClean="0"/>
+              <a:t>mask = 0 – borrow</a:t>
+            </a:r>
+            <a:br>
+              <a:rPr lang="en-GB" sz="2400" dirty="0" smtClean="0"/>
+            </a:br>
+            <a:r>
+              <a:rPr lang="en-GB" sz="2400" dirty="0" smtClean="0"/>
+              <a:t>mask = mask &amp; m</a:t>
+            </a:r>
+          </a:p>
+          <a:p>
+            <a:r>
+              <a:rPr lang="en-GB" sz="2400" dirty="0" smtClean="0"/>
+              <a:t>c = c + mask</a:t>
+            </a:r>
+            <a:endParaRPr lang="en-GB" sz="2400" dirty="0"/>
           </a:p>
         </p:txBody>
       </p:sp>
     </p:spTree>
     <p:extLst>
       <p:ext uri="{BB962C8B-B14F-4D97-AF65-F5344CB8AC3E}">
-        <p14:creationId xmlns:p14="http://schemas.microsoft.com/office/powerpoint/2010/main" val="1222368615"/>
+        <p14:creationId xmlns:p14="http://schemas.microsoft.com/office/powerpoint/2010/main" val="1825120149"/>
       </p:ext>
     </p:extLst>
   </p:cSld>
@@ -4282,45 +4439,63 @@
       </p:grpSpPr>
       <p:sp>
         <p:nvSpPr>
-          <p:cNvPr id="2" name="TextBox 1"/>
-          <p:cNvSpPr txBox="1"/>
-          <p:nvPr/>
-        </p:nvSpPr>
-        <p:spPr>
-          <a:xfrm>
-            <a:off x="2854800" y="2852936"/>
-            <a:ext cx="3683381" cy="1015663"/>
-          </a:xfrm>
-          <a:prstGeom prst="rect">
-            <a:avLst/>
-          </a:prstGeom>
-          <a:noFill/>
-        </p:spPr>
-        <p:txBody>
-          <a:bodyPr wrap="none" rtlCol="0">
-            <a:spAutoFit/>
-          </a:bodyPr>
-          <a:lstStyle/>
-          <a:p>
-            <a:pPr algn="ctr"/>
-            <a:r>
-              <a:rPr lang="en-GB" sz="6000" dirty="0" smtClean="0"/>
-              <a:t>Questions?</a:t>
-            </a:r>
-            <a:endParaRPr lang="en-GB" sz="6000" dirty="0"/>
+          <p:cNvPr id="2" name="Title 1"/>
+          <p:cNvSpPr>
+            <a:spLocks noGrp="1"/>
+          </p:cNvSpPr>
+          <p:nvPr>
+            <p:ph type="title"/>
+          </p:nvPr>
+        </p:nvSpPr>
+        <p:spPr/>
+        <p:txBody>
+          <a:bodyPr/>
+          <a:lstStyle/>
+          <a:p>
+            <a:r>
+              <a:rPr lang="en-GB" dirty="0" smtClean="0"/>
+              <a:t>Benchmark Infrastructure</a:t>
+            </a:r>
+            <a:endParaRPr lang="en-GB" dirty="0"/>
+          </a:p>
+        </p:txBody>
+      </p:sp>
+      <p:sp>
+        <p:nvSpPr>
+          <p:cNvPr id="3" name="Content Placeholder 2"/>
+          <p:cNvSpPr>
+            <a:spLocks noGrp="1"/>
+          </p:cNvSpPr>
+          <p:nvPr>
+            <p:ph idx="1"/>
+          </p:nvPr>
+        </p:nvSpPr>
+        <p:spPr/>
+        <p:txBody>
+          <a:bodyPr/>
+          <a:lstStyle/>
+          <a:p>
+            <a:endParaRPr lang="en-GB" dirty="0"/>
           </a:p>
         </p:txBody>
       </p:sp>
     </p:spTree>
     <p:extLst>
       <p:ext uri="{BB962C8B-B14F-4D97-AF65-F5344CB8AC3E}">
-        <p14:creationId xmlns:p14="http://schemas.microsoft.com/office/powerpoint/2010/main" val="1859606178"/>
+        <p14:creationId xmlns:p14="http://schemas.microsoft.com/office/powerpoint/2010/main" val="1262940810"/>
       </p:ext>
     </p:extLst>
   </p:cSld>
   <p:clrMapOvr>
     <a:masterClrMapping/>
   </p:clrMapOvr>
+  <p:timing>
+    <p:tnLst>
+      <p:par>
+        <p:cTn id="1" dur="indefinite" restart="never" nodeType="tmRoot"/>
+      </p:par>
+    </p:tnLst>
+  </p:timing>
 </p:sld>
 </file>
 
@@ -4451,6 +4626,580 @@
             <p:ph type="title"/>
           </p:nvPr>
         </p:nvSpPr>
+        <p:spPr/>
+        <p:txBody>
+          <a:bodyPr/>
+          <a:lstStyle/>
+          <a:p>
+            <a:r>
+              <a:rPr lang="en-GB" dirty="0" smtClean="0"/>
+              <a:t>Benchmarks</a:t>
+            </a:r>
+            <a:endParaRPr lang="en-GB" dirty="0"/>
+          </a:p>
+        </p:txBody>
+      </p:sp>
+      <p:sp>
+        <p:nvSpPr>
+          <p:cNvPr id="3" name="Content Placeholder 2"/>
+          <p:cNvSpPr>
+            <a:spLocks noGrp="1"/>
+          </p:cNvSpPr>
+          <p:nvPr>
+            <p:ph idx="1"/>
+          </p:nvPr>
+        </p:nvSpPr>
+        <p:spPr/>
+        <p:txBody>
+          <a:bodyPr/>
+          <a:lstStyle/>
+          <a:p>
+            <a:r>
+              <a:rPr lang="en-GB" dirty="0" smtClean="0"/>
+              <a:t>Involve 10 consecutive executions of an operation.</a:t>
+            </a:r>
+          </a:p>
+          <a:p>
+            <a:r>
+              <a:rPr lang="en-GB" dirty="0" smtClean="0"/>
+              <a:t>Types of benchmarks</a:t>
+            </a:r>
+          </a:p>
+          <a:p>
+            <a:pPr lvl="1"/>
+            <a:r>
+              <a:rPr lang="en-GB" dirty="0" smtClean="0"/>
+              <a:t>Local vs. global memory access</a:t>
+            </a:r>
+          </a:p>
+          <a:p>
+            <a:pPr lvl="1"/>
+            <a:r>
+              <a:rPr lang="en-GB" dirty="0" smtClean="0"/>
+              <a:t>Importance of operand layout in memory</a:t>
+            </a:r>
+          </a:p>
+          <a:p>
+            <a:pPr lvl="1"/>
+            <a:r>
+              <a:rPr lang="en-GB" dirty="0" smtClean="0"/>
+              <a:t>Classical vs. </a:t>
+            </a:r>
+            <a:r>
+              <a:rPr lang="en-GB" dirty="0" err="1" smtClean="0"/>
+              <a:t>Karatsuba</a:t>
+            </a:r>
+            <a:r>
+              <a:rPr lang="en-GB" dirty="0" smtClean="0"/>
+              <a:t> multiplication</a:t>
+            </a:r>
+          </a:p>
+          <a:p>
+            <a:pPr lvl="1"/>
+            <a:r>
+              <a:rPr lang="en-GB" dirty="0" err="1" smtClean="0"/>
+              <a:t>Kepler</a:t>
+            </a:r>
+            <a:r>
+              <a:rPr lang="en-GB" dirty="0" smtClean="0"/>
+              <a:t> vs. Fermi</a:t>
+            </a:r>
+          </a:p>
+          <a:p>
+            <a:pPr lvl="1"/>
+            <a:r>
+              <a:rPr lang="en-GB" dirty="0" smtClean="0"/>
+              <a:t>Warp occupation</a:t>
+            </a:r>
+            <a:endParaRPr lang="en-GB" dirty="0"/>
+          </a:p>
+        </p:txBody>
+      </p:sp>
+    </p:spTree>
+    <p:extLst>
+      <p:ext uri="{BB962C8B-B14F-4D97-AF65-F5344CB8AC3E}">
+        <p14:creationId xmlns:p14="http://schemas.microsoft.com/office/powerpoint/2010/main" val="3123424124"/>
+      </p:ext>
+    </p:extLst>
+  </p:cSld>
+  <p:clrMapOvr>
+    <a:masterClrMapping/>
+  </p:clrMapOvr>
+  <p:timing>
+    <p:tnLst>
+      <p:par>
+        <p:cTn id="1" dur="indefinite" restart="never" nodeType="tmRoot"/>
+      </p:par>
+    </p:tnLst>
+  </p:timing>
+</p:sld>
+</file>
+
+<file path=ppt/slides/slide21.xml><?xml version="1.0" encoding="utf-8"?>
+<p:sld xmlns:a="http://schemas.openxmlformats.org/drawingml/2006/main" xmlns:r="http://schemas.openxmlformats.org/officeDocument/2006/relationships" xmlns:p="http://schemas.openxmlformats.org/presentationml/2006/main">
+  <p:cSld>
+    <p:spTree>
+      <p:nvGrpSpPr>
+        <p:cNvPr id="1" name=""/>
+        <p:cNvGrpSpPr/>
+        <p:nvPr/>
+      </p:nvGrpSpPr>
+      <p:grpSpPr>
+        <a:xfrm>
+          <a:off x="0" y="0"/>
+          <a:ext cx="0" cy="0"/>
+          <a:chOff x="0" y="0"/>
+          <a:chExt cx="0" cy="0"/>
+        </a:xfrm>
+      </p:grpSpPr>
+      <p:sp>
+        <p:nvSpPr>
+          <p:cNvPr id="2" name="Title 1"/>
+          <p:cNvSpPr>
+            <a:spLocks noGrp="1"/>
+          </p:cNvSpPr>
+          <p:nvPr>
+            <p:ph type="title"/>
+          </p:nvPr>
+        </p:nvSpPr>
+        <p:spPr/>
+        <p:txBody>
+          <a:bodyPr/>
+          <a:lstStyle/>
+          <a:p>
+            <a:r>
+              <a:rPr lang="en-GB" dirty="0" smtClean="0"/>
+              <a:t>Warp Occupation Results</a:t>
+            </a:r>
+            <a:endParaRPr lang="en-GB" dirty="0"/>
+          </a:p>
+        </p:txBody>
+      </p:sp>
+      <p:sp>
+        <p:nvSpPr>
+          <p:cNvPr id="5" name="Content Placeholder 4"/>
+          <p:cNvSpPr>
+            <a:spLocks noGrp="1"/>
+          </p:cNvSpPr>
+          <p:nvPr>
+            <p:ph idx="1"/>
+          </p:nvPr>
+        </p:nvSpPr>
+        <p:spPr/>
+        <p:txBody>
+          <a:bodyPr/>
+          <a:lstStyle/>
+          <a:p>
+            <a:r>
+              <a:rPr lang="en-GB" dirty="0" smtClean="0"/>
+              <a:t>Better to have less blocks, where more threads are used.</a:t>
+            </a:r>
+          </a:p>
+          <a:p>
+            <a:r>
+              <a:rPr lang="en-GB" dirty="0" smtClean="0"/>
+              <a:t>Must keep warp occupation full, at least 32 threads.</a:t>
+            </a:r>
+          </a:p>
+          <a:p>
+            <a:r>
+              <a:rPr lang="en-GB" dirty="0" smtClean="0"/>
+              <a:t>If not, then resources are wasted.</a:t>
+            </a:r>
+            <a:endParaRPr lang="en-GB" dirty="0"/>
+          </a:p>
+        </p:txBody>
+      </p:sp>
+    </p:spTree>
+    <p:extLst>
+      <p:ext uri="{BB962C8B-B14F-4D97-AF65-F5344CB8AC3E}">
+        <p14:creationId xmlns:p14="http://schemas.microsoft.com/office/powerpoint/2010/main" val="1675382120"/>
+      </p:ext>
+    </p:extLst>
+  </p:cSld>
+  <p:clrMapOvr>
+    <a:masterClrMapping/>
+  </p:clrMapOvr>
+  <p:timing>
+    <p:tnLst>
+      <p:par>
+        <p:cTn id="1" dur="indefinite" restart="never" nodeType="tmRoot"/>
+      </p:par>
+    </p:tnLst>
+  </p:timing>
+</p:sld>
+</file>
+
+<file path=ppt/slides/slide22.xml><?xml version="1.0" encoding="utf-8"?>
+<p:sld xmlns:a="http://schemas.openxmlformats.org/drawingml/2006/main" xmlns:r="http://schemas.openxmlformats.org/officeDocument/2006/relationships" xmlns:p="http://schemas.openxmlformats.org/presentationml/2006/main">
+  <p:cSld>
+    <p:spTree>
+      <p:nvGrpSpPr>
+        <p:cNvPr id="1" name=""/>
+        <p:cNvGrpSpPr/>
+        <p:nvPr/>
+      </p:nvGrpSpPr>
+      <p:grpSpPr>
+        <a:xfrm>
+          <a:off x="0" y="0"/>
+          <a:ext cx="0" cy="0"/>
+          <a:chOff x="0" y="0"/>
+          <a:chExt cx="0" cy="0"/>
+        </a:xfrm>
+      </p:grpSpPr>
+      <p:sp>
+        <p:nvSpPr>
+          <p:cNvPr id="2" name="Title 1"/>
+          <p:cNvSpPr>
+            <a:spLocks noGrp="1"/>
+          </p:cNvSpPr>
+          <p:nvPr>
+            <p:ph type="title"/>
+          </p:nvPr>
+        </p:nvSpPr>
+        <p:spPr/>
+        <p:txBody>
+          <a:bodyPr>
+            <a:normAutofit fontScale="90000"/>
+          </a:bodyPr>
+          <a:lstStyle/>
+          <a:p>
+            <a:r>
+              <a:rPr lang="en-GB" dirty="0" err="1" smtClean="0"/>
+              <a:t>Karatsuba</a:t>
+            </a:r>
+            <a:r>
+              <a:rPr lang="en-GB" dirty="0" smtClean="0"/>
+              <a:t> vs. Classical Multiplication and Warp Occupancy</a:t>
+            </a:r>
+            <a:endParaRPr lang="en-GB" dirty="0"/>
+          </a:p>
+        </p:txBody>
+      </p:sp>
+      <p:pic>
+        <p:nvPicPr>
+          <p:cNvPr id="4" name="Content Placeholder 3"/>
+          <p:cNvPicPr>
+            <a:picLocks noGrp="1" noChangeAspect="1"/>
+          </p:cNvPicPr>
+          <p:nvPr>
+            <p:ph idx="1"/>
+          </p:nvPr>
+        </p:nvPicPr>
+        <p:blipFill>
+          <a:blip r:embed="rId2">
+            <a:extLst>
+              <a:ext uri="{28A0092B-C50C-407E-A947-70E740481C1C}">
+                <a14:useLocalDpi xmlns:a14="http://schemas.microsoft.com/office/drawing/2010/main" val="0"/>
+              </a:ext>
+            </a:extLst>
+          </a:blip>
+          <a:stretch>
+            <a:fillRect/>
+          </a:stretch>
+        </p:blipFill>
+        <p:spPr>
+          <a:xfrm>
+            <a:off x="1427036" y="1600200"/>
+            <a:ext cx="6289928" cy="4525963"/>
+          </a:xfrm>
+        </p:spPr>
+      </p:pic>
+    </p:spTree>
+    <p:extLst>
+      <p:ext uri="{BB962C8B-B14F-4D97-AF65-F5344CB8AC3E}">
+        <p14:creationId xmlns:p14="http://schemas.microsoft.com/office/powerpoint/2010/main" val="467686000"/>
+      </p:ext>
+    </p:extLst>
+  </p:cSld>
+  <p:clrMapOvr>
+    <a:masterClrMapping/>
+  </p:clrMapOvr>
+</p:sld>
+</file>
+
+<file path=ppt/slides/slide23.xml><?xml version="1.0" encoding="utf-8"?>
+<p:sld xmlns:a="http://schemas.openxmlformats.org/drawingml/2006/main" xmlns:r="http://schemas.openxmlformats.org/officeDocument/2006/relationships" xmlns:p="http://schemas.openxmlformats.org/presentationml/2006/main">
+  <p:cSld>
+    <p:spTree>
+      <p:nvGrpSpPr>
+        <p:cNvPr id="1" name=""/>
+        <p:cNvGrpSpPr/>
+        <p:nvPr/>
+      </p:nvGrpSpPr>
+      <p:grpSpPr>
+        <a:xfrm>
+          <a:off x="0" y="0"/>
+          <a:ext cx="0" cy="0"/>
+          <a:chOff x="0" y="0"/>
+          <a:chExt cx="0" cy="0"/>
+        </a:xfrm>
+      </p:grpSpPr>
+      <p:sp>
+        <p:nvSpPr>
+          <p:cNvPr id="2" name="Title 1"/>
+          <p:cNvSpPr>
+            <a:spLocks noGrp="1"/>
+          </p:cNvSpPr>
+          <p:nvPr>
+            <p:ph type="title"/>
+          </p:nvPr>
+        </p:nvSpPr>
+        <p:spPr/>
+        <p:txBody>
+          <a:bodyPr/>
+          <a:lstStyle/>
+          <a:p>
+            <a:r>
+              <a:rPr lang="en-GB" dirty="0" smtClean="0"/>
+              <a:t>Operator verification</a:t>
+            </a:r>
+            <a:endParaRPr lang="en-GB" dirty="0"/>
+          </a:p>
+        </p:txBody>
+      </p:sp>
+      <p:sp>
+        <p:nvSpPr>
+          <p:cNvPr id="3" name="Content Placeholder 2"/>
+          <p:cNvSpPr>
+            <a:spLocks noGrp="1"/>
+          </p:cNvSpPr>
+          <p:nvPr>
+            <p:ph idx="1"/>
+          </p:nvPr>
+        </p:nvSpPr>
+        <p:spPr/>
+        <p:txBody>
+          <a:bodyPr/>
+          <a:lstStyle/>
+          <a:p>
+            <a:r>
+              <a:rPr lang="en-GB" dirty="0" smtClean="0"/>
+              <a:t>Like benchmark infrastructure</a:t>
+            </a:r>
+          </a:p>
+          <a:p>
+            <a:r>
+              <a:rPr lang="en-GB" dirty="0" smtClean="0"/>
+              <a:t>Operation results recovered from server</a:t>
+            </a:r>
+          </a:p>
+          <a:p>
+            <a:r>
+              <a:rPr lang="en-GB" dirty="0" smtClean="0"/>
+              <a:t>Checked for errors with GMP on host</a:t>
+            </a:r>
+            <a:endParaRPr lang="en-GB" dirty="0"/>
+          </a:p>
+        </p:txBody>
+      </p:sp>
+    </p:spTree>
+    <p:extLst>
+      <p:ext uri="{BB962C8B-B14F-4D97-AF65-F5344CB8AC3E}">
+        <p14:creationId xmlns:p14="http://schemas.microsoft.com/office/powerpoint/2010/main" val="1305159931"/>
+      </p:ext>
+    </p:extLst>
+  </p:cSld>
+  <p:clrMapOvr>
+    <a:masterClrMapping/>
+  </p:clrMapOvr>
+  <p:timing>
+    <p:tnLst>
+      <p:par>
+        <p:cTn id="1" dur="indefinite" restart="never" nodeType="tmRoot"/>
+      </p:par>
+    </p:tnLst>
+  </p:timing>
+</p:sld>
+</file>
+
+<file path=ppt/slides/slide24.xml><?xml version="1.0" encoding="utf-8"?>
+<p:sld xmlns:a="http://schemas.openxmlformats.org/drawingml/2006/main" xmlns:r="http://schemas.openxmlformats.org/officeDocument/2006/relationships" xmlns:p="http://schemas.openxmlformats.org/presentationml/2006/main">
+  <p:cSld>
+    <p:spTree>
+      <p:nvGrpSpPr>
+        <p:cNvPr id="1" name=""/>
+        <p:cNvGrpSpPr/>
+        <p:nvPr/>
+      </p:nvGrpSpPr>
+      <p:grpSpPr>
+        <a:xfrm>
+          <a:off x="0" y="0"/>
+          <a:ext cx="0" cy="0"/>
+          <a:chOff x="0" y="0"/>
+          <a:chExt cx="0" cy="0"/>
+        </a:xfrm>
+      </p:grpSpPr>
+      <p:sp>
+        <p:nvSpPr>
+          <p:cNvPr id="2" name="Title 1"/>
+          <p:cNvSpPr>
+            <a:spLocks noGrp="1"/>
+          </p:cNvSpPr>
+          <p:nvPr>
+            <p:ph type="title"/>
+          </p:nvPr>
+        </p:nvSpPr>
+        <p:spPr/>
+        <p:txBody>
+          <a:bodyPr/>
+          <a:lstStyle/>
+          <a:p>
+            <a:r>
+              <a:rPr lang="en-GB" dirty="0" smtClean="0"/>
+              <a:t>Conclusion</a:t>
+            </a:r>
+            <a:endParaRPr lang="en-GB" dirty="0"/>
+          </a:p>
+        </p:txBody>
+      </p:sp>
+      <p:sp>
+        <p:nvSpPr>
+          <p:cNvPr id="3" name="Content Placeholder 2"/>
+          <p:cNvSpPr>
+            <a:spLocks noGrp="1"/>
+          </p:cNvSpPr>
+          <p:nvPr>
+            <p:ph idx="1"/>
+          </p:nvPr>
+        </p:nvSpPr>
+        <p:spPr/>
+        <p:txBody>
+          <a:bodyPr/>
+          <a:lstStyle/>
+          <a:p>
+            <a:r>
+              <a:rPr lang="en-GB" dirty="0" smtClean="0"/>
+              <a:t>Project was tedious to start</a:t>
+            </a:r>
+          </a:p>
+          <a:p>
+            <a:r>
+              <a:rPr lang="en-GB" dirty="0" smtClean="0"/>
+              <a:t>Hard time debugging</a:t>
+            </a:r>
+          </a:p>
+          <a:p>
+            <a:r>
+              <a:rPr lang="en-GB" dirty="0" smtClean="0"/>
+              <a:t>First hands-on experience</a:t>
+            </a:r>
+          </a:p>
+          <a:p>
+            <a:r>
+              <a:rPr lang="en-GB" dirty="0" smtClean="0"/>
+              <a:t>Great fun learning</a:t>
+            </a:r>
+          </a:p>
+          <a:p>
+            <a:pPr marL="0" indent="0">
+              <a:buNone/>
+            </a:pPr>
+            <a:endParaRPr lang="en-GB" dirty="0"/>
+          </a:p>
+        </p:txBody>
+      </p:sp>
+    </p:spTree>
+    <p:extLst>
+      <p:ext uri="{BB962C8B-B14F-4D97-AF65-F5344CB8AC3E}">
+        <p14:creationId xmlns:p14="http://schemas.microsoft.com/office/powerpoint/2010/main" val="1222368615"/>
+      </p:ext>
+    </p:extLst>
+  </p:cSld>
+  <p:clrMapOvr>
+    <a:masterClrMapping/>
+  </p:clrMapOvr>
+</p:sld>
+</file>
+
+<file path=ppt/slides/slide25.xml><?xml version="1.0" encoding="utf-8"?>
+<p:sld xmlns:a="http://schemas.openxmlformats.org/drawingml/2006/main" xmlns:r="http://schemas.openxmlformats.org/officeDocument/2006/relationships" xmlns:p="http://schemas.openxmlformats.org/presentationml/2006/main">
+  <p:cSld>
+    <p:spTree>
+      <p:nvGrpSpPr>
+        <p:cNvPr id="1" name=""/>
+        <p:cNvGrpSpPr/>
+        <p:nvPr/>
+      </p:nvGrpSpPr>
+      <p:grpSpPr>
+        <a:xfrm>
+          <a:off x="0" y="0"/>
+          <a:ext cx="0" cy="0"/>
+          <a:chOff x="0" y="0"/>
+          <a:chExt cx="0" cy="0"/>
+        </a:xfrm>
+      </p:grpSpPr>
+      <p:sp>
+        <p:nvSpPr>
+          <p:cNvPr id="2" name="TextBox 1"/>
+          <p:cNvSpPr txBox="1"/>
+          <p:nvPr/>
+        </p:nvSpPr>
+        <p:spPr>
+          <a:xfrm>
+            <a:off x="2854800" y="2852936"/>
+            <a:ext cx="3683381" cy="1015663"/>
+          </a:xfrm>
+          <a:prstGeom prst="rect">
+            <a:avLst/>
+          </a:prstGeom>
+          <a:noFill/>
+        </p:spPr>
+        <p:txBody>
+          <a:bodyPr wrap="none" rtlCol="0">
+            <a:spAutoFit/>
+          </a:bodyPr>
+          <a:lstStyle/>
+          <a:p>
+            <a:pPr algn="ctr"/>
+            <a:r>
+              <a:rPr lang="en-GB" sz="6000" dirty="0" smtClean="0"/>
+              <a:t>Questions?</a:t>
+            </a:r>
+            <a:endParaRPr lang="en-GB" sz="6000" dirty="0"/>
+          </a:p>
+        </p:txBody>
+      </p:sp>
+    </p:spTree>
+    <p:extLst>
+      <p:ext uri="{BB962C8B-B14F-4D97-AF65-F5344CB8AC3E}">
+        <p14:creationId xmlns:p14="http://schemas.microsoft.com/office/powerpoint/2010/main" val="1859606178"/>
+      </p:ext>
+    </p:extLst>
+  </p:cSld>
+  <p:clrMapOvr>
+    <a:masterClrMapping/>
+  </p:clrMapOvr>
+</p:sld>
+</file>
+
+<file path=ppt/slides/slide26.xml><?xml version="1.0" encoding="utf-8"?>
+<p:sld xmlns:a="http://schemas.openxmlformats.org/drawingml/2006/main" xmlns:r="http://schemas.openxmlformats.org/officeDocument/2006/relationships" xmlns:p="http://schemas.openxmlformats.org/presentationml/2006/main">
+  <p:cSld>
+    <p:spTree>
+      <p:nvGrpSpPr>
+        <p:cNvPr id="1" name=""/>
+        <p:cNvGrpSpPr/>
+        <p:nvPr/>
+      </p:nvGrpSpPr>
+      <p:grpSpPr>
+        <a:xfrm>
+          <a:off x="0" y="0"/>
+          <a:ext cx="0" cy="0"/>
+          <a:chOff x="0" y="0"/>
+          <a:chExt cx="0" cy="0"/>
+        </a:xfrm>
+      </p:grpSpPr>
+      <p:sp>
+        <p:nvSpPr>
+          <p:cNvPr id="2" name="Title 1"/>
+          <p:cNvSpPr>
+            <a:spLocks noGrp="1"/>
+          </p:cNvSpPr>
+          <p:nvPr>
+            <p:ph type="title"/>
+          </p:nvPr>
+        </p:nvSpPr>
         <p:spPr>
           <a:xfrm>
             <a:off x="467544" y="2924944"/>
@@ -4642,8 +5391,13 @@
           <a:p>
             <a:r>
               <a:rPr lang="en-GB" dirty="0" smtClean="0"/>
-              <a:t>Learning GPU programming through experimentation</a:t>
-            </a:r>
+              <a:t>Learning GPU programming through </a:t>
+            </a:r>
+            <a:r>
+              <a:rPr lang="en-GB" dirty="0" smtClean="0"/>
+              <a:t>experimentation to see what works best</a:t>
+            </a:r>
+            <a:endParaRPr lang="en-GB" dirty="0" smtClean="0"/>
           </a:p>
           <a:p>
             <a:r>
@@ -5004,8 +5758,13 @@
             <a:pPr lvl="1"/>
             <a:r>
               <a:rPr lang="en-GB" dirty="0" smtClean="0"/>
-              <a:t>Not hidden behind a compiler: we know exactly what's going on.</a:t>
-            </a:r>
+              <a:t>Not hidden behind a compiler: we know exactly what's going </a:t>
+            </a:r>
+            <a:r>
+              <a:rPr lang="en-GB" dirty="0" smtClean="0"/>
+              <a:t>on</a:t>
+            </a:r>
+            <a:endParaRPr lang="en-GB" dirty="0" smtClean="0"/>
           </a:p>
           <a:p>
             <a:r>
@@ -5212,17 +5971,13 @@
           <a:bodyPr/>
           <a:lstStyle/>
           <a:p>
-            <a:r>
-              <a:rPr lang="en-GB" dirty="0" smtClean="0"/>
-              <a:t>Our Framework</a:t>
-            </a:r>
             <a:endParaRPr lang="en-GB" dirty="0"/>
           </a:p>
         </p:txBody>
       </p:sp>
       <p:sp>
         <p:nvSpPr>
-          <p:cNvPr id="3" name="Content Placeholder 2"/>
+          <p:cNvPr id="5" name="Content Placeholder 4"/>
           <p:cNvSpPr>
             <a:spLocks noGrp="1"/>
           </p:cNvSpPr>
@@ -5235,27 +5990,20 @@
           <a:bodyPr/>
           <a:lstStyle/>
           <a:p>
-            <a:endParaRPr lang="en-GB" dirty="0"/>
+            <a:endParaRPr lang="en-GB"/>
           </a:p>
         </p:txBody>
       </p:sp>
     </p:spTree>
     <p:extLst>
       <p:ext uri="{BB962C8B-B14F-4D97-AF65-F5344CB8AC3E}">
-        <p14:creationId xmlns:p14="http://schemas.microsoft.com/office/powerpoint/2010/main" val="2036134894"/>
+        <p14:creationId xmlns:p14="http://schemas.microsoft.com/office/powerpoint/2010/main" val="4160423180"/>
       </p:ext>
     </p:extLst>
   </p:cSld>
   <p:clrMapOvr>
     <a:masterClrMapping/>
   </p:clrMapOvr>
-  <p:timing>
-    <p:tnLst>
-      <p:par>
-        <p:cTn id="1" dur="indefinite" restart="never" nodeType="tmRoot"/>
-      </p:par>
-    </p:tnLst>
-  </p:timing>
 </p:sld>
 </file>
 

--- a/report/Presentation.pptx
+++ b/report/Presentation.pptx
@@ -13,24 +13,20 @@
     <p:sldId id="263" r:id="rId7"/>
     <p:sldId id="264" r:id="rId8"/>
     <p:sldId id="265" r:id="rId9"/>
-    <p:sldId id="283" r:id="rId10"/>
-    <p:sldId id="266" r:id="rId11"/>
-    <p:sldId id="267" r:id="rId12"/>
-    <p:sldId id="269" r:id="rId13"/>
-    <p:sldId id="268" r:id="rId14"/>
-    <p:sldId id="277" r:id="rId15"/>
-    <p:sldId id="278" r:id="rId16"/>
-    <p:sldId id="279" r:id="rId17"/>
-    <p:sldId id="280" r:id="rId18"/>
-    <p:sldId id="281" r:id="rId19"/>
-    <p:sldId id="270" r:id="rId20"/>
-    <p:sldId id="271" r:id="rId21"/>
-    <p:sldId id="273" r:id="rId22"/>
-    <p:sldId id="282" r:id="rId23"/>
-    <p:sldId id="272" r:id="rId24"/>
-    <p:sldId id="274" r:id="rId25"/>
-    <p:sldId id="275" r:id="rId26"/>
-    <p:sldId id="276" r:id="rId27"/>
+    <p:sldId id="266" r:id="rId10"/>
+    <p:sldId id="267" r:id="rId11"/>
+    <p:sldId id="269" r:id="rId12"/>
+    <p:sldId id="268" r:id="rId13"/>
+    <p:sldId id="278" r:id="rId14"/>
+    <p:sldId id="270" r:id="rId15"/>
+    <p:sldId id="271" r:id="rId16"/>
+    <p:sldId id="273" r:id="rId17"/>
+    <p:sldId id="282" r:id="rId18"/>
+    <p:sldId id="283" r:id="rId19"/>
+    <p:sldId id="272" r:id="rId20"/>
+    <p:sldId id="274" r:id="rId21"/>
+    <p:sldId id="275" r:id="rId22"/>
+    <p:sldId id="276" r:id="rId23"/>
   </p:sldIdLst>
   <p:sldSz cx="9144000" cy="6858000" type="screen4x3"/>
   <p:notesSz cx="6858000" cy="9144000"/>
@@ -3285,7 +3281,7 @@
           <a:p>
             <a:r>
               <a:rPr lang="en-GB" dirty="0" smtClean="0"/>
-              <a:t>Our Framework</a:t>
+              <a:t>Implementation</a:t>
             </a:r>
             <a:endParaRPr lang="en-GB" dirty="0"/>
           </a:p>
@@ -3301,19 +3297,113 @@
             <p:ph idx="1"/>
           </p:nvPr>
         </p:nvSpPr>
-        <p:spPr/>
-        <p:txBody>
-          <a:bodyPr/>
-          <a:lstStyle/>
-          <a:p>
+        <p:spPr>
+          <a:xfrm>
+            <a:off x="457200" y="1484784"/>
+            <a:ext cx="8229600" cy="4525963"/>
+          </a:xfrm>
+        </p:spPr>
+        <p:txBody>
+          <a:bodyPr/>
+          <a:lstStyle/>
+          <a:p>
+            <a:r>
+              <a:rPr lang="en-GB" dirty="0" smtClean="0"/>
+              <a:t>Number representation</a:t>
+            </a:r>
+          </a:p>
+          <a:p>
+            <a:pPr lvl="1"/>
+            <a:r>
+              <a:rPr lang="en-GB" dirty="0"/>
+              <a:t>U</a:t>
+            </a:r>
+            <a:r>
+              <a:rPr lang="en-GB" dirty="0" smtClean="0"/>
+              <a:t>nsigned integer array</a:t>
+            </a:r>
+          </a:p>
+          <a:p>
+            <a:pPr lvl="1"/>
+            <a:r>
+              <a:rPr lang="en-GB" dirty="0" smtClean="0"/>
+              <a:t>Uses primary data type of device for efficiency</a:t>
+            </a:r>
+          </a:p>
+          <a:p>
+            <a:pPr lvl="1"/>
+            <a:r>
+              <a:rPr lang="en-GB" dirty="0" smtClean="0"/>
+              <a:t>Two’s complement representation</a:t>
+            </a:r>
             <a:endParaRPr lang="en-GB" dirty="0"/>
           </a:p>
         </p:txBody>
       </p:sp>
+      <p:pic>
+        <p:nvPicPr>
+          <p:cNvPr id="5" name="Picture 4"/>
+          <p:cNvPicPr>
+            <a:picLocks noChangeAspect="1"/>
+          </p:cNvPicPr>
+          <p:nvPr/>
+        </p:nvPicPr>
+        <p:blipFill>
+          <a:blip r:embed="rId2">
+            <a:extLst>
+              <a:ext uri="{28A0092B-C50C-407E-A947-70E740481C1C}">
+                <a14:useLocalDpi xmlns:a14="http://schemas.microsoft.com/office/drawing/2010/main" val="0"/>
+              </a:ext>
+            </a:extLst>
+          </a:blip>
+          <a:stretch>
+            <a:fillRect/>
+          </a:stretch>
+        </p:blipFill>
+        <p:spPr>
+          <a:xfrm>
+            <a:off x="1331640" y="3792835"/>
+            <a:ext cx="6486525" cy="1076325"/>
+          </a:xfrm>
+          <a:prstGeom prst="rect">
+            <a:avLst/>
+          </a:prstGeom>
+        </p:spPr>
+      </p:pic>
+      <p:pic>
+        <p:nvPicPr>
+          <p:cNvPr id="6" name="Picture 5"/>
+          <p:cNvPicPr>
+            <a:picLocks noChangeAspect="1"/>
+          </p:cNvPicPr>
+          <p:nvPr/>
+        </p:nvPicPr>
+        <p:blipFill>
+          <a:blip r:embed="rId3">
+            <a:extLst>
+              <a:ext uri="{28A0092B-C50C-407E-A947-70E740481C1C}">
+                <a14:useLocalDpi xmlns:a14="http://schemas.microsoft.com/office/drawing/2010/main" val="0"/>
+              </a:ext>
+            </a:extLst>
+          </a:blip>
+          <a:stretch>
+            <a:fillRect/>
+          </a:stretch>
+        </p:blipFill>
+        <p:spPr>
+          <a:xfrm>
+            <a:off x="1328737" y="5160987"/>
+            <a:ext cx="6486525" cy="1076325"/>
+          </a:xfrm>
+          <a:prstGeom prst="rect">
+            <a:avLst/>
+          </a:prstGeom>
+        </p:spPr>
+      </p:pic>
     </p:spTree>
     <p:extLst>
       <p:ext uri="{BB962C8B-B14F-4D97-AF65-F5344CB8AC3E}">
-        <p14:creationId xmlns:p14="http://schemas.microsoft.com/office/powerpoint/2010/main" val="2036134894"/>
+        <p14:creationId xmlns:p14="http://schemas.microsoft.com/office/powerpoint/2010/main" val="3965737333"/>
       </p:ext>
     </p:extLst>
   </p:cSld>
@@ -3347,91 +3437,15 @@
           <a:chExt cx="0" cy="0"/>
         </a:xfrm>
       </p:grpSpPr>
-      <p:sp>
-        <p:nvSpPr>
-          <p:cNvPr id="2" name="Title 1"/>
-          <p:cNvSpPr>
-            <a:spLocks noGrp="1"/>
-          </p:cNvSpPr>
-          <p:nvPr>
-            <p:ph type="title"/>
-          </p:nvPr>
-        </p:nvSpPr>
-        <p:spPr/>
-        <p:txBody>
-          <a:bodyPr/>
-          <a:lstStyle/>
-          <a:p>
-            <a:r>
-              <a:rPr lang="en-GB" dirty="0" smtClean="0"/>
-              <a:t>Implementation</a:t>
-            </a:r>
-            <a:endParaRPr lang="en-GB" dirty="0"/>
-          </a:p>
-        </p:txBody>
-      </p:sp>
-      <p:sp>
-        <p:nvSpPr>
-          <p:cNvPr id="3" name="Content Placeholder 2"/>
-          <p:cNvSpPr>
-            <a:spLocks noGrp="1"/>
-          </p:cNvSpPr>
-          <p:nvPr>
-            <p:ph idx="1"/>
-          </p:nvPr>
-        </p:nvSpPr>
-        <p:spPr>
-          <a:xfrm>
-            <a:off x="457200" y="1484784"/>
-            <a:ext cx="8229600" cy="4525963"/>
-          </a:xfrm>
-        </p:spPr>
-        <p:txBody>
-          <a:bodyPr/>
-          <a:lstStyle/>
-          <a:p>
-            <a:r>
-              <a:rPr lang="en-GB" dirty="0" smtClean="0"/>
-              <a:t>Number representation</a:t>
-            </a:r>
-          </a:p>
-          <a:p>
-            <a:pPr lvl="1"/>
-            <a:r>
-              <a:rPr lang="en-GB" dirty="0"/>
-              <a:t>U</a:t>
-            </a:r>
-            <a:r>
-              <a:rPr lang="en-GB" dirty="0" smtClean="0"/>
-              <a:t>nsigned integer array</a:t>
-            </a:r>
-          </a:p>
-          <a:p>
-            <a:pPr lvl="1"/>
-            <a:r>
-              <a:rPr lang="en-GB" dirty="0" smtClean="0"/>
-              <a:t>Uses primary data type of device for efficiency</a:t>
-            </a:r>
-          </a:p>
-          <a:p>
-            <a:pPr lvl="1"/>
-            <a:r>
-              <a:rPr lang="en-GB" dirty="0" smtClean="0"/>
-              <a:t>Two’s complement representation</a:t>
-            </a:r>
-            <a:endParaRPr lang="en-GB" dirty="0"/>
-          </a:p>
-        </p:txBody>
-      </p:sp>
       <p:pic>
         <p:nvPicPr>
-          <p:cNvPr id="5" name="Picture 4"/>
+          <p:cNvPr id="4" name="Picture 3"/>
           <p:cNvPicPr>
             <a:picLocks noChangeAspect="1"/>
           </p:cNvPicPr>
           <p:nvPr/>
         </p:nvPicPr>
-        <p:blipFill>
+        <p:blipFill rotWithShape="1">
           <a:blip r:embed="rId2">
             <a:extLst>
               <a:ext uri="{28A0092B-C50C-407E-A947-70E740481C1C}">
@@ -3439,54 +3453,188 @@
               </a:ext>
             </a:extLst>
           </a:blip>
-          <a:stretch>
-            <a:fillRect/>
-          </a:stretch>
+          <a:srcRect l="41694"/>
+          <a:stretch/>
         </p:blipFill>
         <p:spPr>
           <a:xfrm>
-            <a:off x="1331640" y="3792835"/>
-            <a:ext cx="6486525" cy="1076325"/>
+            <a:off x="5364088" y="1628800"/>
+            <a:ext cx="3635896" cy="4202955"/>
           </a:xfrm>
           <a:prstGeom prst="rect">
             <a:avLst/>
           </a:prstGeom>
         </p:spPr>
       </p:pic>
-      <p:pic>
-        <p:nvPicPr>
-          <p:cNvPr id="6" name="Picture 5"/>
-          <p:cNvPicPr>
-            <a:picLocks noChangeAspect="1"/>
-          </p:cNvPicPr>
-          <p:nvPr/>
-        </p:nvPicPr>
-        <p:blipFill>
-          <a:blip r:embed="rId3">
-            <a:extLst>
-              <a:ext uri="{28A0092B-C50C-407E-A947-70E740481C1C}">
-                <a14:useLocalDpi xmlns:a14="http://schemas.microsoft.com/office/drawing/2010/main" val="0"/>
-              </a:ext>
-            </a:extLst>
-          </a:blip>
-          <a:stretch>
-            <a:fillRect/>
-          </a:stretch>
-        </p:blipFill>
-        <p:spPr>
-          <a:xfrm>
-            <a:off x="1328737" y="5160987"/>
-            <a:ext cx="6486525" cy="1076325"/>
-          </a:xfrm>
-          <a:prstGeom prst="rect">
-            <a:avLst/>
-          </a:prstGeom>
-        </p:spPr>
-      </p:pic>
+      <p:sp>
+        <p:nvSpPr>
+          <p:cNvPr id="2" name="Title 1"/>
+          <p:cNvSpPr>
+            <a:spLocks noGrp="1"/>
+          </p:cNvSpPr>
+          <p:nvPr>
+            <p:ph type="title"/>
+          </p:nvPr>
+        </p:nvSpPr>
+        <p:spPr/>
+        <p:txBody>
+          <a:bodyPr/>
+          <a:lstStyle/>
+          <a:p>
+            <a:r>
+              <a:rPr lang="en-GB" dirty="0" smtClean="0"/>
+              <a:t>Operation Memory </a:t>
+            </a:r>
+            <a:r>
+              <a:rPr lang="en-GB" dirty="0"/>
+              <a:t>A</a:t>
+            </a:r>
+            <a:r>
+              <a:rPr lang="en-GB" dirty="0" smtClean="0"/>
+              <a:t>ccess</a:t>
+            </a:r>
+            <a:endParaRPr lang="en-GB" dirty="0"/>
+          </a:p>
+        </p:txBody>
+      </p:sp>
+      <p:sp>
+        <p:nvSpPr>
+          <p:cNvPr id="3" name="Content Placeholder 2"/>
+          <p:cNvSpPr>
+            <a:spLocks noGrp="1"/>
+          </p:cNvSpPr>
+          <p:nvPr>
+            <p:ph idx="1"/>
+          </p:nvPr>
+        </p:nvSpPr>
+        <p:spPr/>
+        <p:txBody>
+          <a:bodyPr/>
+          <a:lstStyle/>
+          <a:p>
+            <a:r>
+              <a:rPr lang="en-GB" dirty="0" smtClean="0"/>
+              <a:t>2 versions of each operator</a:t>
+            </a:r>
+          </a:p>
+          <a:p>
+            <a:r>
+              <a:rPr lang="en-GB" dirty="0" smtClean="0"/>
+              <a:t>Differ in operand addressing</a:t>
+            </a:r>
+          </a:p>
+          <a:p>
+            <a:pPr lvl="1"/>
+            <a:r>
+              <a:rPr lang="en-GB" dirty="0" smtClean="0"/>
+              <a:t>“global” operator: expects </a:t>
+            </a:r>
+            <a:r>
+              <a:rPr lang="en-GB" dirty="0" smtClean="0"/>
+              <a:t>data</a:t>
+            </a:r>
+            <a:br>
+              <a:rPr lang="en-GB" dirty="0" smtClean="0"/>
+            </a:br>
+            <a:r>
+              <a:rPr lang="en-GB" dirty="0" smtClean="0"/>
+              <a:t> </a:t>
+            </a:r>
+            <a:r>
+              <a:rPr lang="en-GB" dirty="0" smtClean="0"/>
+              <a:t>to be in </a:t>
+            </a:r>
+            <a:r>
+              <a:rPr lang="en-GB" dirty="0" smtClean="0">
+                <a:solidFill>
+                  <a:srgbClr val="FF0000"/>
+                </a:solidFill>
+              </a:rPr>
+              <a:t>global</a:t>
+            </a:r>
+            <a:r>
+              <a:rPr lang="en-GB" dirty="0" smtClean="0"/>
+              <a:t> </a:t>
+            </a:r>
+            <a:r>
+              <a:rPr lang="en-GB" dirty="0" smtClean="0">
+                <a:solidFill>
+                  <a:srgbClr val="FF0000"/>
+                </a:solidFill>
+              </a:rPr>
+              <a:t>coalesced</a:t>
+            </a:r>
+            <a:br>
+              <a:rPr lang="en-GB" dirty="0" smtClean="0">
+                <a:solidFill>
+                  <a:srgbClr val="FF0000"/>
+                </a:solidFill>
+              </a:rPr>
+            </a:br>
+            <a:r>
+              <a:rPr lang="en-GB" dirty="0" smtClean="0"/>
+              <a:t> </a:t>
+            </a:r>
+            <a:r>
+              <a:rPr lang="en-GB" dirty="0" smtClean="0"/>
+              <a:t>memory</a:t>
+            </a:r>
+          </a:p>
+          <a:p>
+            <a:pPr lvl="1"/>
+            <a:r>
+              <a:rPr lang="en-GB" dirty="0" smtClean="0"/>
+              <a:t>“local” operator: </a:t>
+            </a:r>
+            <a:r>
+              <a:rPr lang="en-GB" dirty="0" smtClean="0"/>
+              <a:t>expects</a:t>
+            </a:r>
+            <a:br>
+              <a:rPr lang="en-GB" dirty="0" smtClean="0"/>
+            </a:br>
+            <a:r>
+              <a:rPr lang="en-GB" dirty="0" smtClean="0"/>
+              <a:t> data </a:t>
+            </a:r>
+            <a:r>
+              <a:rPr lang="en-GB" dirty="0" smtClean="0"/>
+              <a:t>to be in </a:t>
+            </a:r>
+            <a:r>
+              <a:rPr lang="en-GB" dirty="0" smtClean="0">
+                <a:solidFill>
+                  <a:srgbClr val="FF0000"/>
+                </a:solidFill>
+              </a:rPr>
+              <a:t>local</a:t>
+            </a:r>
+            <a:br>
+              <a:rPr lang="en-GB" dirty="0" smtClean="0">
+                <a:solidFill>
+                  <a:srgbClr val="FF0000"/>
+                </a:solidFill>
+              </a:rPr>
+            </a:br>
+            <a:r>
+              <a:rPr lang="en-GB" dirty="0" smtClean="0">
+                <a:solidFill>
+                  <a:srgbClr val="FF0000"/>
+                </a:solidFill>
+              </a:rPr>
+              <a:t> non-coalesced </a:t>
+            </a:r>
+            <a:r>
+              <a:rPr lang="en-GB" dirty="0" smtClean="0"/>
+              <a:t>memory</a:t>
+            </a:r>
+          </a:p>
+        </p:txBody>
+      </p:sp>
     </p:spTree>
     <p:extLst>
       <p:ext uri="{BB962C8B-B14F-4D97-AF65-F5344CB8AC3E}">
-        <p14:creationId xmlns:p14="http://schemas.microsoft.com/office/powerpoint/2010/main" val="3965737333"/>
+        <p14:creationId xmlns:p14="http://schemas.microsoft.com/office/powerpoint/2010/main" val="819490721"/>
       </p:ext>
     </p:extLst>
   </p:cSld>
@@ -3537,15 +3685,7 @@
           <a:p>
             <a:r>
               <a:rPr lang="en-GB" dirty="0" smtClean="0"/>
-              <a:t>Operation Memory </a:t>
-            </a:r>
-            <a:r>
-              <a:rPr lang="en-GB" dirty="0"/>
-              <a:t>A</a:t>
-            </a:r>
-            <a:r>
-              <a:rPr lang="en-GB" dirty="0" smtClean="0"/>
-              <a:t>ccess</a:t>
+              <a:t>Implemented Operations</a:t>
             </a:r>
             <a:endParaRPr lang="en-GB" dirty="0"/>
           </a:p>
@@ -3568,71 +3708,56 @@
           <a:p>
             <a:r>
               <a:rPr lang="en-GB" dirty="0" smtClean="0"/>
-              <a:t>2 versions of each operator</a:t>
-            </a:r>
-          </a:p>
-          <a:p>
-            <a:r>
-              <a:rPr lang="en-GB" dirty="0" smtClean="0"/>
-              <a:t>Differ in operand addressing</a:t>
-            </a:r>
-          </a:p>
-          <a:p>
-            <a:pPr lvl="1"/>
-            <a:r>
-              <a:rPr lang="en-GB" dirty="0" smtClean="0"/>
-              <a:t>“global” operator: expects data to be in </a:t>
-            </a:r>
-            <a:r>
-              <a:rPr lang="en-GB" dirty="0" smtClean="0">
-                <a:solidFill>
-                  <a:srgbClr val="FF0000"/>
-                </a:solidFill>
-              </a:rPr>
-              <a:t>global</a:t>
-            </a:r>
-            <a:r>
-              <a:rPr lang="en-GB" dirty="0" smtClean="0"/>
-              <a:t> </a:t>
-            </a:r>
-            <a:r>
-              <a:rPr lang="en-GB" dirty="0" smtClean="0">
-                <a:solidFill>
-                  <a:srgbClr val="FF0000"/>
-                </a:solidFill>
-              </a:rPr>
-              <a:t>coalesced</a:t>
-            </a:r>
-            <a:r>
-              <a:rPr lang="en-GB" dirty="0" smtClean="0"/>
-              <a:t> memory</a:t>
-            </a:r>
-          </a:p>
-          <a:p>
-            <a:pPr lvl="1"/>
-            <a:r>
-              <a:rPr lang="en-GB" dirty="0" smtClean="0"/>
-              <a:t>“local” operator: expects data to be in </a:t>
-            </a:r>
-            <a:r>
-              <a:rPr lang="en-GB" dirty="0" smtClean="0">
-                <a:solidFill>
-                  <a:srgbClr val="FF0000"/>
-                </a:solidFill>
-              </a:rPr>
-              <a:t>local non-coalesced </a:t>
-            </a:r>
-            <a:r>
-              <a:rPr lang="en-GB" dirty="0" smtClean="0"/>
-              <a:t>memory</a:t>
-            </a:r>
+              <a:t>Addition</a:t>
+            </a:r>
+          </a:p>
+          <a:p>
+            <a:r>
+              <a:rPr lang="en-GB" dirty="0" smtClean="0"/>
+              <a:t>Subtraction</a:t>
+            </a:r>
+          </a:p>
+          <a:p>
+            <a:r>
+              <a:rPr lang="en-GB" dirty="0" smtClean="0"/>
+              <a:t>Multiplication</a:t>
+            </a:r>
+          </a:p>
+          <a:p>
+            <a:r>
+              <a:rPr lang="en-GB" dirty="0" err="1" smtClean="0"/>
+              <a:t>Karatsuba</a:t>
+            </a:r>
+            <a:r>
+              <a:rPr lang="en-GB" dirty="0" smtClean="0"/>
+              <a:t> Multiplication (1-level)</a:t>
+            </a:r>
+          </a:p>
+          <a:p>
+            <a:r>
+              <a:rPr lang="en-GB" dirty="0" smtClean="0"/>
+              <a:t>Modular Addition</a:t>
+            </a:r>
+          </a:p>
+          <a:p>
+            <a:r>
+              <a:rPr lang="en-GB" dirty="0" smtClean="0"/>
+              <a:t>Modular Subtraction</a:t>
+            </a:r>
+          </a:p>
+          <a:p>
+            <a:r>
+              <a:rPr lang="en-GB" dirty="0" smtClean="0"/>
+              <a:t>Montgomery Reduction*</a:t>
+            </a:r>
+            <a:endParaRPr lang="en-GB" dirty="0"/>
           </a:p>
         </p:txBody>
       </p:sp>
     </p:spTree>
     <p:extLst>
       <p:ext uri="{BB962C8B-B14F-4D97-AF65-F5344CB8AC3E}">
-        <p14:creationId xmlns:p14="http://schemas.microsoft.com/office/powerpoint/2010/main" val="819490721"/>
+        <p14:creationId xmlns:p14="http://schemas.microsoft.com/office/powerpoint/2010/main" val="3625645512"/>
       </p:ext>
     </p:extLst>
   </p:cSld>
@@ -3683,79 +3808,75 @@
           <a:p>
             <a:r>
               <a:rPr lang="en-GB" dirty="0" smtClean="0"/>
-              <a:t>Implemented Operations</a:t>
+              <a:t>Multiplication</a:t>
             </a:r>
             <a:endParaRPr lang="en-GB" dirty="0"/>
           </a:p>
         </p:txBody>
       </p:sp>
-      <p:sp>
-        <p:nvSpPr>
-          <p:cNvPr id="3" name="Content Placeholder 2"/>
-          <p:cNvSpPr>
-            <a:spLocks noGrp="1"/>
-          </p:cNvSpPr>
+      <p:pic>
+        <p:nvPicPr>
+          <p:cNvPr id="4" name="Content Placeholder 3"/>
+          <p:cNvPicPr>
+            <a:picLocks noGrp="1" noChangeAspect="1"/>
+          </p:cNvPicPr>
           <p:nvPr>
             <p:ph idx="1"/>
           </p:nvPr>
-        </p:nvSpPr>
-        <p:spPr/>
-        <p:txBody>
-          <a:bodyPr/>
-          <a:lstStyle/>
-          <a:p>
-            <a:r>
-              <a:rPr lang="en-GB" dirty="0" smtClean="0"/>
-              <a:t>Addition</a:t>
-            </a:r>
-          </a:p>
-          <a:p>
-            <a:r>
-              <a:rPr lang="en-GB" dirty="0" smtClean="0"/>
-              <a:t>Subtraction</a:t>
-            </a:r>
-          </a:p>
-          <a:p>
-            <a:r>
-              <a:rPr lang="en-GB" dirty="0" smtClean="0"/>
-              <a:t>Multiplication</a:t>
-            </a:r>
-          </a:p>
-          <a:p>
-            <a:r>
-              <a:rPr lang="en-GB" dirty="0" err="1" smtClean="0"/>
-              <a:t>Karatsuba</a:t>
-            </a:r>
-            <a:r>
-              <a:rPr lang="en-GB" dirty="0" smtClean="0"/>
-              <a:t> Multiplication (1-level)</a:t>
-            </a:r>
-          </a:p>
-          <a:p>
-            <a:r>
-              <a:rPr lang="en-GB" dirty="0" smtClean="0"/>
-              <a:t>Modular Addition</a:t>
-            </a:r>
-          </a:p>
-          <a:p>
-            <a:r>
-              <a:rPr lang="en-GB" dirty="0" smtClean="0"/>
-              <a:t>Modular Subtraction</a:t>
-            </a:r>
-          </a:p>
-          <a:p>
-            <a:r>
-              <a:rPr lang="en-GB" dirty="0" smtClean="0"/>
-              <a:t>Montgomery Reduction*</a:t>
-            </a:r>
-            <a:endParaRPr lang="en-GB" dirty="0"/>
-          </a:p>
-        </p:txBody>
-      </p:sp>
+        </p:nvPicPr>
+        <p:blipFill>
+          <a:blip r:embed="rId2">
+            <a:extLst>
+              <a:ext uri="{28A0092B-C50C-407E-A947-70E740481C1C}">
+                <a14:useLocalDpi xmlns:a14="http://schemas.microsoft.com/office/drawing/2010/main" val="0"/>
+              </a:ext>
+            </a:extLst>
+          </a:blip>
+          <a:stretch>
+            <a:fillRect/>
+          </a:stretch>
+        </p:blipFill>
+        <p:spPr>
+          <a:xfrm>
+            <a:off x="1547664" y="1276759"/>
+            <a:ext cx="2592288" cy="5392600"/>
+          </a:xfrm>
+        </p:spPr>
+      </p:pic>
+      <p:pic>
+        <p:nvPicPr>
+          <p:cNvPr id="5" name="Picture 4"/>
+          <p:cNvPicPr>
+            <a:picLocks noChangeAspect="1"/>
+          </p:cNvPicPr>
+          <p:nvPr/>
+        </p:nvPicPr>
+        <p:blipFill>
+          <a:blip r:embed="rId3">
+            <a:extLst>
+              <a:ext uri="{28A0092B-C50C-407E-A947-70E740481C1C}">
+                <a14:useLocalDpi xmlns:a14="http://schemas.microsoft.com/office/drawing/2010/main" val="0"/>
+              </a:ext>
+            </a:extLst>
+          </a:blip>
+          <a:stretch>
+            <a:fillRect/>
+          </a:stretch>
+        </p:blipFill>
+        <p:spPr>
+          <a:xfrm>
+            <a:off x="4644008" y="1265202"/>
+            <a:ext cx="2597844" cy="5404157"/>
+          </a:xfrm>
+          <a:prstGeom prst="rect">
+            <a:avLst/>
+          </a:prstGeom>
+        </p:spPr>
+      </p:pic>
     </p:spTree>
     <p:extLst>
       <p:ext uri="{BB962C8B-B14F-4D97-AF65-F5344CB8AC3E}">
-        <p14:creationId xmlns:p14="http://schemas.microsoft.com/office/powerpoint/2010/main" val="3625645512"/>
+        <p14:creationId xmlns:p14="http://schemas.microsoft.com/office/powerpoint/2010/main" val="361341530"/>
       </p:ext>
     </p:extLst>
   </p:cSld>
@@ -3806,21 +3927,95 @@
           <a:p>
             <a:r>
               <a:rPr lang="en-GB" dirty="0" smtClean="0"/>
-              <a:t>Addition / Subtraction</a:t>
+              <a:t>Benchmark Infrastructure</a:t>
             </a:r>
             <a:endParaRPr lang="en-GB" dirty="0"/>
           </a:p>
         </p:txBody>
       </p:sp>
+      <p:sp>
+        <p:nvSpPr>
+          <p:cNvPr id="7" name="TextBox 6"/>
+          <p:cNvSpPr txBox="1"/>
+          <p:nvPr/>
+        </p:nvSpPr>
+        <p:spPr>
+          <a:xfrm>
+            <a:off x="4932040" y="3587343"/>
+            <a:ext cx="4094326" cy="276999"/>
+          </a:xfrm>
+          <a:prstGeom prst="rect">
+            <a:avLst/>
+          </a:prstGeom>
+          <a:noFill/>
+        </p:spPr>
+        <p:txBody>
+          <a:bodyPr wrap="none" rtlCol="0">
+            <a:spAutoFit/>
+          </a:bodyPr>
+          <a:lstStyle/>
+          <a:p>
+            <a:r>
+              <a:rPr lang="en-GB" sz="1200" dirty="0" err="1"/>
+              <a:t>nvprof</a:t>
+            </a:r>
+            <a:r>
+              <a:rPr lang="en-GB" sz="1200" dirty="0"/>
+              <a:t> --print-</a:t>
+            </a:r>
+            <a:r>
+              <a:rPr lang="en-GB" sz="1200" dirty="0" err="1"/>
+              <a:t>gpu</a:t>
+            </a:r>
+            <a:r>
+              <a:rPr lang="en-GB" sz="1200" dirty="0"/>
+              <a:t>-trace --normalized-time-unit </a:t>
+            </a:r>
+            <a:r>
+              <a:rPr lang="en-GB" sz="1200" dirty="0" smtClean="0"/>
+              <a:t>us executable</a:t>
+            </a:r>
+            <a:endParaRPr lang="en-GB" sz="1200" dirty="0"/>
+          </a:p>
+        </p:txBody>
+      </p:sp>
+      <p:cxnSp>
+        <p:nvCxnSpPr>
+          <p:cNvPr id="9" name="Straight Connector 8"/>
+          <p:cNvCxnSpPr/>
+          <p:nvPr/>
+        </p:nvCxnSpPr>
+        <p:spPr>
+          <a:xfrm>
+            <a:off x="2627784" y="1124744"/>
+            <a:ext cx="0" cy="5328592"/>
+          </a:xfrm>
+          <a:prstGeom prst="line">
+            <a:avLst/>
+          </a:prstGeom>
+        </p:spPr>
+        <p:style>
+          <a:lnRef idx="1">
+            <a:schemeClr val="accent1"/>
+          </a:lnRef>
+          <a:fillRef idx="0">
+            <a:schemeClr val="accent1"/>
+          </a:fillRef>
+          <a:effectRef idx="0">
+            <a:schemeClr val="accent1"/>
+          </a:effectRef>
+          <a:fontRef idx="minor">
+            <a:schemeClr val="tx1"/>
+          </a:fontRef>
+        </p:style>
+      </p:cxnSp>
       <p:pic>
         <p:nvPicPr>
-          <p:cNvPr id="4" name="Content Placeholder 3"/>
+          <p:cNvPr id="10" name="Picture 9"/>
           <p:cNvPicPr>
-            <a:picLocks noGrp="1" noChangeAspect="1"/>
+            <a:picLocks noChangeAspect="1"/>
           </p:cNvPicPr>
-          <p:nvPr>
-            <p:ph idx="1"/>
-          </p:nvPr>
+          <p:nvPr/>
         </p:nvPicPr>
         <p:blipFill>
           <a:blip r:embed="rId2">
@@ -3836,15 +4031,643 @@
         </p:blipFill>
         <p:spPr>
           <a:xfrm>
-            <a:off x="457200" y="2950472"/>
-            <a:ext cx="8229600" cy="1825419"/>
-          </a:xfrm>
+            <a:off x="683568" y="1340768"/>
+            <a:ext cx="1224136" cy="1224136"/>
+          </a:xfrm>
+          <a:prstGeom prst="rect">
+            <a:avLst/>
+          </a:prstGeom>
+        </p:spPr>
+      </p:pic>
+      <p:sp>
+        <p:nvSpPr>
+          <p:cNvPr id="11" name="TextBox 10"/>
+          <p:cNvSpPr txBox="1"/>
+          <p:nvPr/>
+        </p:nvSpPr>
+        <p:spPr>
+          <a:xfrm>
+            <a:off x="3851920" y="2503791"/>
+            <a:ext cx="4588991" cy="369332"/>
+          </a:xfrm>
+          <a:prstGeom prst="rect">
+            <a:avLst/>
+          </a:prstGeom>
+          <a:noFill/>
+        </p:spPr>
+        <p:txBody>
+          <a:bodyPr wrap="square" rtlCol="0">
+            <a:spAutoFit/>
+          </a:bodyPr>
+          <a:lstStyle/>
+          <a:p>
+            <a:r>
+              <a:rPr lang="en-GB" b="1" dirty="0" smtClean="0"/>
+              <a:t>Generate coalesced </a:t>
+            </a:r>
+            <a:r>
+              <a:rPr lang="en-GB" b="1" dirty="0" err="1" smtClean="0"/>
+              <a:t>bignum</a:t>
+            </a:r>
+            <a:r>
+              <a:rPr lang="en-GB" b="1" dirty="0" smtClean="0"/>
+              <a:t> arrays</a:t>
+            </a:r>
+            <a:endParaRPr lang="en-GB" b="1" dirty="0"/>
+          </a:p>
+        </p:txBody>
+      </p:sp>
+      <p:sp>
+        <p:nvSpPr>
+          <p:cNvPr id="12" name="TextBox 11"/>
+          <p:cNvSpPr txBox="1"/>
+          <p:nvPr/>
+        </p:nvSpPr>
+        <p:spPr>
+          <a:xfrm>
+            <a:off x="2962298" y="2042126"/>
+            <a:ext cx="813043" cy="461665"/>
+          </a:xfrm>
+          <a:prstGeom prst="rect">
+            <a:avLst/>
+          </a:prstGeom>
+          <a:noFill/>
+        </p:spPr>
+        <p:txBody>
+          <a:bodyPr wrap="none" rtlCol="0">
+            <a:spAutoFit/>
+          </a:bodyPr>
+          <a:lstStyle/>
+          <a:p>
+            <a:r>
+              <a:rPr lang="en-GB" sz="2400" b="1" dirty="0" smtClean="0">
+                <a:solidFill>
+                  <a:srgbClr val="FF0000"/>
+                </a:solidFill>
+              </a:rPr>
+              <a:t>GMP</a:t>
+            </a:r>
+            <a:endParaRPr lang="en-GB" sz="2400" b="1" dirty="0">
+              <a:solidFill>
+                <a:srgbClr val="FF0000"/>
+              </a:solidFill>
+            </a:endParaRPr>
+          </a:p>
+        </p:txBody>
+      </p:sp>
+      <p:sp>
+        <p:nvSpPr>
+          <p:cNvPr id="13" name="Bent Arrow 12"/>
+          <p:cNvSpPr/>
+          <p:nvPr/>
+        </p:nvSpPr>
+        <p:spPr>
+          <a:xfrm rot="10800000" flipH="1">
+            <a:off x="3368819" y="2416975"/>
+            <a:ext cx="360040" cy="360040"/>
+          </a:xfrm>
+          <a:prstGeom prst="bentArrow">
+            <a:avLst/>
+          </a:prstGeom>
+        </p:spPr>
+        <p:style>
+          <a:lnRef idx="2">
+            <a:schemeClr val="accent1">
+              <a:shade val="50000"/>
+            </a:schemeClr>
+          </a:lnRef>
+          <a:fillRef idx="1">
+            <a:schemeClr val="accent1"/>
+          </a:fillRef>
+          <a:effectRef idx="0">
+            <a:schemeClr val="accent1"/>
+          </a:effectRef>
+          <a:fontRef idx="minor">
+            <a:schemeClr val="lt1"/>
+          </a:fontRef>
+        </p:style>
+        <p:txBody>
+          <a:bodyPr rtlCol="0" anchor="ctr"/>
+          <a:lstStyle/>
+          <a:p>
+            <a:pPr algn="ctr"/>
+            <a:endParaRPr lang="en-GB">
+              <a:solidFill>
+                <a:schemeClr val="tx1"/>
+              </a:solidFill>
+            </a:endParaRPr>
+          </a:p>
+        </p:txBody>
+      </p:sp>
+      <p:sp>
+        <p:nvSpPr>
+          <p:cNvPr id="14" name="TextBox 13"/>
+          <p:cNvSpPr txBox="1"/>
+          <p:nvPr/>
+        </p:nvSpPr>
+        <p:spPr>
+          <a:xfrm>
+            <a:off x="2961847" y="1315853"/>
+            <a:ext cx="4588991" cy="369332"/>
+          </a:xfrm>
+          <a:prstGeom prst="rect">
+            <a:avLst/>
+          </a:prstGeom>
+          <a:noFill/>
+        </p:spPr>
+        <p:txBody>
+          <a:bodyPr wrap="square" rtlCol="0">
+            <a:spAutoFit/>
+          </a:bodyPr>
+          <a:lstStyle/>
+          <a:p>
+            <a:r>
+              <a:rPr lang="en-GB" b="1" dirty="0" smtClean="0"/>
+              <a:t>compile</a:t>
+            </a:r>
+            <a:endParaRPr lang="en-GB" b="1" dirty="0"/>
+          </a:p>
+        </p:txBody>
+      </p:sp>
+      <p:sp>
+        <p:nvSpPr>
+          <p:cNvPr id="15" name="Bent Arrow 14"/>
+          <p:cNvSpPr/>
+          <p:nvPr/>
+        </p:nvSpPr>
+        <p:spPr>
+          <a:xfrm rot="10800000" flipH="1">
+            <a:off x="3341198" y="1682086"/>
+            <a:ext cx="360040" cy="360040"/>
+          </a:xfrm>
+          <a:prstGeom prst="bentArrow">
+            <a:avLst/>
+          </a:prstGeom>
+        </p:spPr>
+        <p:style>
+          <a:lnRef idx="2">
+            <a:schemeClr val="accent1">
+              <a:shade val="50000"/>
+            </a:schemeClr>
+          </a:lnRef>
+          <a:fillRef idx="1">
+            <a:schemeClr val="accent1"/>
+          </a:fillRef>
+          <a:effectRef idx="0">
+            <a:schemeClr val="accent1"/>
+          </a:effectRef>
+          <a:fontRef idx="minor">
+            <a:schemeClr val="lt1"/>
+          </a:fontRef>
+        </p:style>
+        <p:txBody>
+          <a:bodyPr rtlCol="0" anchor="ctr"/>
+          <a:lstStyle/>
+          <a:p>
+            <a:pPr algn="ctr"/>
+            <a:endParaRPr lang="en-GB">
+              <a:solidFill>
+                <a:schemeClr val="tx1"/>
+              </a:solidFill>
+            </a:endParaRPr>
+          </a:p>
+        </p:txBody>
+      </p:sp>
+      <p:sp>
+        <p:nvSpPr>
+          <p:cNvPr id="16" name="TextBox 15"/>
+          <p:cNvSpPr txBox="1"/>
+          <p:nvPr/>
+        </p:nvSpPr>
+        <p:spPr>
+          <a:xfrm>
+            <a:off x="3872349" y="1768170"/>
+            <a:ext cx="4588991" cy="369332"/>
+          </a:xfrm>
+          <a:prstGeom prst="rect">
+            <a:avLst/>
+          </a:prstGeom>
+          <a:noFill/>
+        </p:spPr>
+        <p:txBody>
+          <a:bodyPr wrap="square" rtlCol="0">
+            <a:spAutoFit/>
+          </a:bodyPr>
+          <a:lstStyle/>
+          <a:p>
+            <a:r>
+              <a:rPr lang="en-GB" b="1" dirty="0"/>
+              <a:t>E</a:t>
+            </a:r>
+            <a:r>
+              <a:rPr lang="en-GB" b="1" dirty="0" smtClean="0"/>
+              <a:t>xecutable</a:t>
+            </a:r>
+            <a:endParaRPr lang="en-GB" b="1" dirty="0"/>
+          </a:p>
+        </p:txBody>
+      </p:sp>
+      <p:sp>
+        <p:nvSpPr>
+          <p:cNvPr id="17" name="Right Brace 16"/>
+          <p:cNvSpPr/>
+          <p:nvPr/>
+        </p:nvSpPr>
+        <p:spPr>
+          <a:xfrm>
+            <a:off x="7380312" y="1315853"/>
+            <a:ext cx="360040" cy="1557270"/>
+          </a:xfrm>
+          <a:prstGeom prst="rightBrace">
+            <a:avLst/>
+          </a:prstGeom>
+        </p:spPr>
+        <p:style>
+          <a:lnRef idx="1">
+            <a:schemeClr val="accent1"/>
+          </a:lnRef>
+          <a:fillRef idx="0">
+            <a:schemeClr val="accent1"/>
+          </a:fillRef>
+          <a:effectRef idx="0">
+            <a:schemeClr val="accent1"/>
+          </a:effectRef>
+          <a:fontRef idx="minor">
+            <a:schemeClr val="tx1"/>
+          </a:fontRef>
+        </p:style>
+        <p:txBody>
+          <a:bodyPr rtlCol="0" anchor="ctr"/>
+          <a:lstStyle/>
+          <a:p>
+            <a:pPr algn="ctr"/>
+            <a:endParaRPr lang="en-GB" dirty="0"/>
+          </a:p>
+        </p:txBody>
+      </p:sp>
+      <p:sp>
+        <p:nvSpPr>
+          <p:cNvPr id="19" name="Curved Left Arrow 18"/>
+          <p:cNvSpPr/>
+          <p:nvPr/>
+        </p:nvSpPr>
+        <p:spPr>
+          <a:xfrm>
+            <a:off x="7900377" y="1995475"/>
+            <a:ext cx="988591" cy="1591868"/>
+          </a:xfrm>
+          <a:prstGeom prst="curvedLeftArrow">
+            <a:avLst>
+              <a:gd name="adj1" fmla="val 25000"/>
+              <a:gd name="adj2" fmla="val 51492"/>
+              <a:gd name="adj3" fmla="val 25000"/>
+            </a:avLst>
+          </a:prstGeom>
+        </p:spPr>
+        <p:style>
+          <a:lnRef idx="2">
+            <a:schemeClr val="accent1">
+              <a:shade val="50000"/>
+            </a:schemeClr>
+          </a:lnRef>
+          <a:fillRef idx="1">
+            <a:schemeClr val="accent1"/>
+          </a:fillRef>
+          <a:effectRef idx="0">
+            <a:schemeClr val="accent1"/>
+          </a:effectRef>
+          <a:fontRef idx="minor">
+            <a:schemeClr val="lt1"/>
+          </a:fontRef>
+        </p:style>
+        <p:txBody>
+          <a:bodyPr rtlCol="0" anchor="ctr"/>
+          <a:lstStyle/>
+          <a:p>
+            <a:pPr algn="ctr"/>
+            <a:endParaRPr lang="en-GB">
+              <a:solidFill>
+                <a:schemeClr val="tx1"/>
+              </a:solidFill>
+            </a:endParaRPr>
+          </a:p>
+        </p:txBody>
+      </p:sp>
+      <p:sp>
+        <p:nvSpPr>
+          <p:cNvPr id="20" name="TextBox 19"/>
+          <p:cNvSpPr txBox="1"/>
+          <p:nvPr/>
+        </p:nvSpPr>
+        <p:spPr>
+          <a:xfrm>
+            <a:off x="6526327" y="3125678"/>
+            <a:ext cx="1024511" cy="461665"/>
+          </a:xfrm>
+          <a:prstGeom prst="rect">
+            <a:avLst/>
+          </a:prstGeom>
+          <a:noFill/>
+        </p:spPr>
+        <p:txBody>
+          <a:bodyPr wrap="none" rtlCol="0">
+            <a:spAutoFit/>
+          </a:bodyPr>
+          <a:lstStyle/>
+          <a:p>
+            <a:r>
+              <a:rPr lang="en-GB" sz="2400" b="1" dirty="0" err="1" smtClean="0"/>
+              <a:t>nvprof</a:t>
+            </a:r>
+            <a:endParaRPr lang="en-GB" sz="2400" b="1" dirty="0"/>
+          </a:p>
+        </p:txBody>
+      </p:sp>
+      <p:sp>
+        <p:nvSpPr>
+          <p:cNvPr id="21" name="Bent Arrow 20"/>
+          <p:cNvSpPr/>
+          <p:nvPr/>
+        </p:nvSpPr>
+        <p:spPr>
+          <a:xfrm rot="16200000" flipH="1">
+            <a:off x="4332737" y="2588143"/>
+            <a:ext cx="1008112" cy="2401794"/>
+          </a:xfrm>
+          <a:prstGeom prst="bentArrow">
+            <a:avLst/>
+          </a:prstGeom>
+        </p:spPr>
+        <p:style>
+          <a:lnRef idx="2">
+            <a:schemeClr val="accent1">
+              <a:shade val="50000"/>
+            </a:schemeClr>
+          </a:lnRef>
+          <a:fillRef idx="1">
+            <a:schemeClr val="accent1"/>
+          </a:fillRef>
+          <a:effectRef idx="0">
+            <a:schemeClr val="accent1"/>
+          </a:effectRef>
+          <a:fontRef idx="minor">
+            <a:schemeClr val="lt1"/>
+          </a:fontRef>
+        </p:style>
+        <p:txBody>
+          <a:bodyPr rtlCol="0" anchor="ctr"/>
+          <a:lstStyle/>
+          <a:p>
+            <a:pPr algn="ctr"/>
+            <a:endParaRPr lang="en-GB">
+              <a:solidFill>
+                <a:schemeClr val="tx1"/>
+              </a:solidFill>
+            </a:endParaRPr>
+          </a:p>
+        </p:txBody>
+      </p:sp>
+      <p:sp>
+        <p:nvSpPr>
+          <p:cNvPr id="22" name="TextBox 21"/>
+          <p:cNvSpPr txBox="1"/>
+          <p:nvPr/>
+        </p:nvSpPr>
+        <p:spPr>
+          <a:xfrm>
+            <a:off x="4549135" y="4767535"/>
+            <a:ext cx="2555251" cy="461665"/>
+          </a:xfrm>
+          <a:prstGeom prst="rect">
+            <a:avLst/>
+          </a:prstGeom>
+          <a:noFill/>
+        </p:spPr>
+        <p:txBody>
+          <a:bodyPr wrap="none" rtlCol="0">
+            <a:spAutoFit/>
+          </a:bodyPr>
+          <a:lstStyle/>
+          <a:p>
+            <a:r>
+              <a:rPr lang="en-GB" sz="2400" b="1" dirty="0" smtClean="0"/>
+              <a:t>Benchmark results</a:t>
+            </a:r>
+            <a:endParaRPr lang="en-GB" sz="2400" b="1" dirty="0"/>
+          </a:p>
+        </p:txBody>
+      </p:sp>
+      <p:pic>
+        <p:nvPicPr>
+          <p:cNvPr id="23" name="Picture 22"/>
+          <p:cNvPicPr>
+            <a:picLocks noChangeAspect="1"/>
+          </p:cNvPicPr>
+          <p:nvPr/>
+        </p:nvPicPr>
+        <p:blipFill>
+          <a:blip r:embed="rId3" cstate="print">
+            <a:extLst>
+              <a:ext uri="{28A0092B-C50C-407E-A947-70E740481C1C}">
+                <a14:useLocalDpi xmlns:a14="http://schemas.microsoft.com/office/drawing/2010/main" val="0"/>
+              </a:ext>
+            </a:extLst>
+          </a:blip>
+          <a:stretch>
+            <a:fillRect/>
+          </a:stretch>
+        </p:blipFill>
+        <p:spPr>
+          <a:xfrm>
+            <a:off x="3341197" y="4365104"/>
+            <a:ext cx="1207938" cy="1207938"/>
+          </a:xfrm>
+          <a:prstGeom prst="rect">
+            <a:avLst/>
+          </a:prstGeom>
+        </p:spPr>
+      </p:pic>
+      <p:sp>
+        <p:nvSpPr>
+          <p:cNvPr id="24" name="Cloud 23"/>
+          <p:cNvSpPr/>
+          <p:nvPr/>
+        </p:nvSpPr>
+        <p:spPr>
+          <a:xfrm>
+            <a:off x="2267744" y="1690367"/>
+            <a:ext cx="648072" cy="412402"/>
+          </a:xfrm>
+          <a:prstGeom prst="cloud">
+            <a:avLst/>
+          </a:prstGeom>
+        </p:spPr>
+        <p:style>
+          <a:lnRef idx="2">
+            <a:schemeClr val="accent1">
+              <a:shade val="50000"/>
+            </a:schemeClr>
+          </a:lnRef>
+          <a:fillRef idx="1">
+            <a:schemeClr val="accent1"/>
+          </a:fillRef>
+          <a:effectRef idx="0">
+            <a:schemeClr val="accent1"/>
+          </a:effectRef>
+          <a:fontRef idx="minor">
+            <a:schemeClr val="lt1"/>
+          </a:fontRef>
+        </p:style>
+        <p:txBody>
+          <a:bodyPr rtlCol="0" anchor="ctr"/>
+          <a:lstStyle/>
+          <a:p>
+            <a:pPr algn="ctr"/>
+            <a:r>
+              <a:rPr lang="en-GB" dirty="0" smtClean="0"/>
+              <a:t>-&gt;</a:t>
+            </a:r>
+            <a:endParaRPr lang="en-GB" dirty="0"/>
+          </a:p>
+        </p:txBody>
+      </p:sp>
+      <p:sp>
+        <p:nvSpPr>
+          <p:cNvPr id="25" name="Cloud 24"/>
+          <p:cNvSpPr/>
+          <p:nvPr/>
+        </p:nvSpPr>
+        <p:spPr>
+          <a:xfrm>
+            <a:off x="2267744" y="4869160"/>
+            <a:ext cx="648072" cy="412402"/>
+          </a:xfrm>
+          <a:prstGeom prst="cloud">
+            <a:avLst/>
+          </a:prstGeom>
+        </p:spPr>
+        <p:style>
+          <a:lnRef idx="2">
+            <a:schemeClr val="accent1">
+              <a:shade val="50000"/>
+            </a:schemeClr>
+          </a:lnRef>
+          <a:fillRef idx="1">
+            <a:schemeClr val="accent1"/>
+          </a:fillRef>
+          <a:effectRef idx="0">
+            <a:schemeClr val="accent1"/>
+          </a:effectRef>
+          <a:fontRef idx="minor">
+            <a:schemeClr val="lt1"/>
+          </a:fontRef>
+        </p:style>
+        <p:txBody>
+          <a:bodyPr rtlCol="0" anchor="ctr"/>
+          <a:lstStyle/>
+          <a:p>
+            <a:pPr algn="ctr"/>
+            <a:r>
+              <a:rPr lang="en-GB" dirty="0" smtClean="0"/>
+              <a:t>&lt;-</a:t>
+            </a:r>
+            <a:endParaRPr lang="en-GB" dirty="0"/>
+          </a:p>
+        </p:txBody>
+      </p:sp>
+      <p:pic>
+        <p:nvPicPr>
+          <p:cNvPr id="26" name="Picture 25"/>
+          <p:cNvPicPr>
+            <a:picLocks noChangeAspect="1"/>
+          </p:cNvPicPr>
+          <p:nvPr/>
+        </p:nvPicPr>
+        <p:blipFill rotWithShape="1">
+          <a:blip r:embed="rId4">
+            <a:extLst>
+              <a:ext uri="{28A0092B-C50C-407E-A947-70E740481C1C}">
+                <a14:useLocalDpi xmlns:a14="http://schemas.microsoft.com/office/drawing/2010/main" val="0"/>
+              </a:ext>
+            </a:extLst>
+          </a:blip>
+          <a:srcRect l="25618" r="24302"/>
+          <a:stretch/>
+        </p:blipFill>
+        <p:spPr>
+          <a:xfrm>
+            <a:off x="607933" y="4494387"/>
+            <a:ext cx="1375405" cy="1161947"/>
+          </a:xfrm>
+          <a:prstGeom prst="rect">
+            <a:avLst/>
+          </a:prstGeom>
+        </p:spPr>
+      </p:pic>
+      <p:sp>
+        <p:nvSpPr>
+          <p:cNvPr id="27" name="TextBox 26"/>
+          <p:cNvSpPr txBox="1"/>
+          <p:nvPr/>
+        </p:nvSpPr>
+        <p:spPr>
+          <a:xfrm>
+            <a:off x="201173" y="4217388"/>
+            <a:ext cx="1009315" cy="276999"/>
+          </a:xfrm>
+          <a:prstGeom prst="rect">
+            <a:avLst/>
+          </a:prstGeom>
+          <a:noFill/>
+        </p:spPr>
+        <p:txBody>
+          <a:bodyPr wrap="none" rtlCol="0">
+            <a:spAutoFit/>
+          </a:bodyPr>
+          <a:lstStyle/>
+          <a:p>
+            <a:r>
+              <a:rPr lang="en-GB" sz="1200" dirty="0" err="1" smtClean="0"/>
+              <a:t>mathematica</a:t>
+            </a:r>
+            <a:endParaRPr lang="en-GB" sz="1200" dirty="0"/>
+          </a:p>
+        </p:txBody>
+      </p:sp>
+      <p:pic>
+        <p:nvPicPr>
+          <p:cNvPr id="28" name="Picture 27"/>
+          <p:cNvPicPr>
+            <a:picLocks noChangeAspect="1"/>
+          </p:cNvPicPr>
+          <p:nvPr/>
+        </p:nvPicPr>
+        <p:blipFill>
+          <a:blip r:embed="rId5" cstate="print">
+            <a:extLst>
+              <a:ext uri="{28A0092B-C50C-407E-A947-70E740481C1C}">
+                <a14:useLocalDpi xmlns:a14="http://schemas.microsoft.com/office/drawing/2010/main" val="0"/>
+              </a:ext>
+            </a:extLst>
+          </a:blip>
+          <a:stretch>
+            <a:fillRect/>
+          </a:stretch>
+        </p:blipFill>
+        <p:spPr>
+          <a:xfrm>
+            <a:off x="666332" y="5733256"/>
+            <a:ext cx="1317006" cy="835293"/>
+          </a:xfrm>
+          <a:prstGeom prst="rect">
+            <a:avLst/>
+          </a:prstGeom>
         </p:spPr>
       </p:pic>
     </p:spTree>
     <p:extLst>
       <p:ext uri="{BB962C8B-B14F-4D97-AF65-F5344CB8AC3E}">
-        <p14:creationId xmlns:p14="http://schemas.microsoft.com/office/powerpoint/2010/main" val="3241981569"/>
+        <p14:creationId xmlns:p14="http://schemas.microsoft.com/office/powerpoint/2010/main" val="1262940810"/>
       </p:ext>
     </p:extLst>
   </p:cSld>
@@ -3895,75 +4718,104 @@
           <a:p>
             <a:r>
               <a:rPr lang="en-GB" dirty="0" smtClean="0"/>
-              <a:t>Multiplication</a:t>
+              <a:t>Benchmarks</a:t>
             </a:r>
             <a:endParaRPr lang="en-GB" dirty="0"/>
           </a:p>
         </p:txBody>
       </p:sp>
-      <p:pic>
-        <p:nvPicPr>
-          <p:cNvPr id="4" name="Content Placeholder 3"/>
-          <p:cNvPicPr>
-            <a:picLocks noGrp="1" noChangeAspect="1"/>
-          </p:cNvPicPr>
+      <p:sp>
+        <p:nvSpPr>
+          <p:cNvPr id="3" name="Content Placeholder 2"/>
+          <p:cNvSpPr>
+            <a:spLocks noGrp="1"/>
+          </p:cNvSpPr>
           <p:nvPr>
             <p:ph idx="1"/>
           </p:nvPr>
-        </p:nvPicPr>
-        <p:blipFill>
-          <a:blip r:embed="rId2">
-            <a:extLst>
-              <a:ext uri="{28A0092B-C50C-407E-A947-70E740481C1C}">
-                <a14:useLocalDpi xmlns:a14="http://schemas.microsoft.com/office/drawing/2010/main" val="0"/>
-              </a:ext>
-            </a:extLst>
-          </a:blip>
-          <a:stretch>
-            <a:fillRect/>
-          </a:stretch>
-        </p:blipFill>
-        <p:spPr>
-          <a:xfrm>
-            <a:off x="1547664" y="1276759"/>
-            <a:ext cx="2592288" cy="5392600"/>
-          </a:xfrm>
-        </p:spPr>
-      </p:pic>
-      <p:pic>
-        <p:nvPicPr>
-          <p:cNvPr id="5" name="Picture 4"/>
-          <p:cNvPicPr>
-            <a:picLocks noChangeAspect="1"/>
-          </p:cNvPicPr>
-          <p:nvPr/>
-        </p:nvPicPr>
-        <p:blipFill>
-          <a:blip r:embed="rId3">
-            <a:extLst>
-              <a:ext uri="{28A0092B-C50C-407E-A947-70E740481C1C}">
-                <a14:useLocalDpi xmlns:a14="http://schemas.microsoft.com/office/drawing/2010/main" val="0"/>
-              </a:ext>
-            </a:extLst>
-          </a:blip>
-          <a:stretch>
-            <a:fillRect/>
-          </a:stretch>
-        </p:blipFill>
-        <p:spPr>
-          <a:xfrm>
-            <a:off x="4644008" y="1265202"/>
-            <a:ext cx="2597844" cy="5404157"/>
-          </a:xfrm>
-          <a:prstGeom prst="rect">
-            <a:avLst/>
-          </a:prstGeom>
-        </p:spPr>
-      </p:pic>
+        </p:nvSpPr>
+        <p:spPr/>
+        <p:txBody>
+          <a:bodyPr>
+            <a:normAutofit lnSpcReduction="10000"/>
+          </a:bodyPr>
+          <a:lstStyle/>
+          <a:p>
+            <a:r>
+              <a:rPr lang="en-GB" dirty="0" smtClean="0"/>
+              <a:t>Involve 10 consecutive executions of an operation.</a:t>
+            </a:r>
+          </a:p>
+          <a:p>
+            <a:r>
+              <a:rPr lang="en-GB" dirty="0" smtClean="0"/>
+              <a:t>Types of benchmarks</a:t>
+            </a:r>
+          </a:p>
+          <a:p>
+            <a:pPr lvl="1"/>
+            <a:r>
+              <a:rPr lang="en-GB" dirty="0" smtClean="0"/>
+              <a:t>Assembly vs. C (addition kernel only)</a:t>
+            </a:r>
+          </a:p>
+          <a:p>
+            <a:pPr lvl="1"/>
+            <a:r>
+              <a:rPr lang="en-GB" dirty="0" smtClean="0"/>
+              <a:t>Local vs. global memory access</a:t>
+            </a:r>
+          </a:p>
+          <a:p>
+            <a:pPr lvl="1"/>
+            <a:r>
+              <a:rPr lang="en-GB" dirty="0" smtClean="0"/>
+              <a:t>Importance of operand layout in memory</a:t>
+            </a:r>
+          </a:p>
+          <a:p>
+            <a:pPr lvl="1"/>
+            <a:r>
+              <a:rPr lang="en-GB" dirty="0" smtClean="0"/>
+              <a:t>Classical vs. </a:t>
+            </a:r>
+            <a:r>
+              <a:rPr lang="en-GB" dirty="0" err="1" smtClean="0"/>
+              <a:t>Karatsuba</a:t>
+            </a:r>
+            <a:r>
+              <a:rPr lang="en-GB" dirty="0" smtClean="0"/>
+              <a:t> multiplication</a:t>
+            </a:r>
+          </a:p>
+          <a:p>
+            <a:pPr lvl="1"/>
+            <a:r>
+              <a:rPr lang="en-GB" dirty="0" err="1" smtClean="0"/>
+              <a:t>Kepler</a:t>
+            </a:r>
+            <a:r>
+              <a:rPr lang="en-GB" dirty="0" smtClean="0"/>
+              <a:t> vs. Fermi execution time</a:t>
+            </a:r>
+          </a:p>
+          <a:p>
+            <a:pPr lvl="1"/>
+            <a:r>
+              <a:rPr lang="en-GB" dirty="0" smtClean="0"/>
+              <a:t>Warp </a:t>
+            </a:r>
+            <a:r>
+              <a:rPr lang="en-GB" dirty="0" smtClean="0"/>
+              <a:t>occupation</a:t>
+            </a:r>
+          </a:p>
+        </p:txBody>
+      </p:sp>
     </p:spTree>
     <p:extLst>
       <p:ext uri="{BB962C8B-B14F-4D97-AF65-F5344CB8AC3E}">
-        <p14:creationId xmlns:p14="http://schemas.microsoft.com/office/powerpoint/2010/main" val="361341530"/>
+        <p14:creationId xmlns:p14="http://schemas.microsoft.com/office/powerpoint/2010/main" val="3123424124"/>
       </p:ext>
     </p:extLst>
   </p:cSld>
@@ -4007,61 +4859,58 @@
             <p:ph type="title"/>
           </p:nvPr>
         </p:nvSpPr>
-        <p:spPr>
-          <a:xfrm>
-            <a:off x="467544" y="-243408"/>
-            <a:ext cx="8229600" cy="1143000"/>
-          </a:xfrm>
-        </p:spPr>
-        <p:txBody>
-          <a:bodyPr/>
-          <a:lstStyle/>
-          <a:p>
-            <a:r>
-              <a:rPr lang="en-GB" dirty="0" err="1" smtClean="0"/>
-              <a:t>Karatsuba</a:t>
-            </a:r>
-            <a:r>
-              <a:rPr lang="en-GB" dirty="0" smtClean="0"/>
-              <a:t> Multiplication</a:t>
+        <p:spPr/>
+        <p:txBody>
+          <a:bodyPr/>
+          <a:lstStyle/>
+          <a:p>
+            <a:r>
+              <a:rPr lang="en-GB" dirty="0" smtClean="0"/>
+              <a:t>Warp Occupation Results</a:t>
             </a:r>
             <a:endParaRPr lang="en-GB" dirty="0"/>
           </a:p>
         </p:txBody>
       </p:sp>
-      <p:pic>
-        <p:nvPicPr>
-          <p:cNvPr id="4" name="Content Placeholder 3"/>
-          <p:cNvPicPr>
-            <a:picLocks noGrp="1" noChangeAspect="1"/>
-          </p:cNvPicPr>
+      <p:sp>
+        <p:nvSpPr>
+          <p:cNvPr id="5" name="Content Placeholder 4"/>
+          <p:cNvSpPr>
+            <a:spLocks noGrp="1"/>
+          </p:cNvSpPr>
           <p:nvPr>
             <p:ph idx="1"/>
           </p:nvPr>
-        </p:nvPicPr>
-        <p:blipFill>
-          <a:blip r:embed="rId2">
-            <a:extLst>
-              <a:ext uri="{28A0092B-C50C-407E-A947-70E740481C1C}">
-                <a14:useLocalDpi xmlns:a14="http://schemas.microsoft.com/office/drawing/2010/main" val="0"/>
-              </a:ext>
-            </a:extLst>
-          </a:blip>
-          <a:stretch>
-            <a:fillRect/>
-          </a:stretch>
-        </p:blipFill>
-        <p:spPr>
-          <a:xfrm>
-            <a:off x="2411760" y="548680"/>
-            <a:ext cx="4320480" cy="6217277"/>
-          </a:xfrm>
-        </p:spPr>
-      </p:pic>
+        </p:nvSpPr>
+        <p:spPr/>
+        <p:txBody>
+          <a:bodyPr/>
+          <a:lstStyle/>
+          <a:p>
+            <a:r>
+              <a:rPr lang="en-GB" dirty="0" smtClean="0"/>
+              <a:t>Better to have less blocks, where more threads are used.</a:t>
+            </a:r>
+          </a:p>
+          <a:p>
+            <a:r>
+              <a:rPr lang="en-GB" dirty="0" smtClean="0"/>
+              <a:t>Must keep warp occupation full, at least 32 threads.</a:t>
+            </a:r>
+          </a:p>
+          <a:p>
+            <a:r>
+              <a:rPr lang="en-GB" dirty="0" smtClean="0"/>
+              <a:t>If not, then resources are wasted.</a:t>
+            </a:r>
+            <a:endParaRPr lang="en-GB" dirty="0"/>
+          </a:p>
+        </p:txBody>
+      </p:sp>
     </p:spTree>
     <p:extLst>
       <p:ext uri="{BB962C8B-B14F-4D97-AF65-F5344CB8AC3E}">
-        <p14:creationId xmlns:p14="http://schemas.microsoft.com/office/powerpoint/2010/main" val="4065782745"/>
+        <p14:creationId xmlns:p14="http://schemas.microsoft.com/office/powerpoint/2010/main" val="1675382120"/>
       </p:ext>
     </p:extLst>
   </p:cSld>
@@ -4095,13 +4944,44 @@
           <a:chExt cx="0" cy="0"/>
         </a:xfrm>
       </p:grpSpPr>
+      <p:sp>
+        <p:nvSpPr>
+          <p:cNvPr id="2" name="Title 1"/>
+          <p:cNvSpPr>
+            <a:spLocks noGrp="1"/>
+          </p:cNvSpPr>
+          <p:nvPr>
+            <p:ph type="title"/>
+          </p:nvPr>
+        </p:nvSpPr>
+        <p:spPr/>
+        <p:txBody>
+          <a:bodyPr>
+            <a:normAutofit fontScale="90000"/>
+          </a:bodyPr>
+          <a:lstStyle/>
+          <a:p>
+            <a:r>
+              <a:rPr lang="en-GB" dirty="0" err="1" smtClean="0"/>
+              <a:t>Karatsuba</a:t>
+            </a:r>
+            <a:r>
+              <a:rPr lang="en-GB" dirty="0" smtClean="0"/>
+              <a:t> vs. Classical Multiplication and Warp Occupancy</a:t>
+            </a:r>
+            <a:endParaRPr lang="en-GB" dirty="0"/>
+          </a:p>
+        </p:txBody>
+      </p:sp>
       <p:pic>
         <p:nvPicPr>
-          <p:cNvPr id="4" name="Picture 3"/>
+          <p:cNvPr id="4" name="Content Placeholder 3"/>
           <p:cNvPicPr>
-            <a:picLocks noChangeAspect="1"/>
+            <a:picLocks noGrp="1" noChangeAspect="1"/>
           </p:cNvPicPr>
-          <p:nvPr/>
+          <p:nvPr>
+            <p:ph idx="1"/>
+          </p:nvPr>
         </p:nvPicPr>
         <p:blipFill>
           <a:blip r:embed="rId2">
@@ -4117,143 +4997,28 @@
         </p:blipFill>
         <p:spPr>
           <a:xfrm>
-            <a:off x="72008" y="1556792"/>
-            <a:ext cx="8964488" cy="4549227"/>
-          </a:xfrm>
-          <a:prstGeom prst="rect">
-            <a:avLst/>
-          </a:prstGeom>
+            <a:off x="1427036" y="1600200"/>
+            <a:ext cx="6289928" cy="4525963"/>
+          </a:xfrm>
         </p:spPr>
       </p:pic>
-      <p:sp>
-        <p:nvSpPr>
-          <p:cNvPr id="2" name="Title 1"/>
-          <p:cNvSpPr>
-            <a:spLocks noGrp="1"/>
-          </p:cNvSpPr>
-          <p:nvPr>
-            <p:ph type="title"/>
-          </p:nvPr>
-        </p:nvSpPr>
-        <p:spPr/>
-        <p:txBody>
-          <a:bodyPr/>
-          <a:lstStyle/>
-          <a:p>
-            <a:r>
-              <a:rPr lang="en-GB" dirty="0" smtClean="0"/>
-              <a:t>Modular Addition</a:t>
-            </a:r>
-            <a:endParaRPr lang="en-GB" dirty="0"/>
-          </a:p>
-        </p:txBody>
-      </p:sp>
-      <p:sp>
-        <p:nvSpPr>
-          <p:cNvPr id="3" name="Content Placeholder 2"/>
-          <p:cNvSpPr>
-            <a:spLocks noGrp="1"/>
-          </p:cNvSpPr>
-          <p:nvPr>
-            <p:ph idx="1"/>
-          </p:nvPr>
-        </p:nvSpPr>
-        <p:spPr/>
-        <p:txBody>
-          <a:bodyPr/>
-          <a:lstStyle/>
-          <a:p>
-            <a:r>
-              <a:rPr lang="en-GB" dirty="0" smtClean="0"/>
-              <a:t>Hypothesis: a, </a:t>
-            </a:r>
-            <a:r>
-              <a:rPr lang="en-GB" dirty="0"/>
-              <a:t>b</a:t>
-            </a:r>
-            <a:r>
-              <a:rPr lang="en-GB" dirty="0" smtClean="0"/>
-              <a:t> &lt; m</a:t>
-            </a:r>
-          </a:p>
-          <a:p>
-            <a:endParaRPr lang="en-GB" dirty="0"/>
-          </a:p>
-        </p:txBody>
-      </p:sp>
-      <p:sp>
-        <p:nvSpPr>
-          <p:cNvPr id="5" name="TextBox 4"/>
-          <p:cNvSpPr txBox="1"/>
-          <p:nvPr/>
-        </p:nvSpPr>
-        <p:spPr>
-          <a:xfrm>
-            <a:off x="5652120" y="4221088"/>
-            <a:ext cx="2490041" cy="1938992"/>
-          </a:xfrm>
-          <a:prstGeom prst="rect">
-            <a:avLst/>
-          </a:prstGeom>
-          <a:noFill/>
-        </p:spPr>
-        <p:txBody>
-          <a:bodyPr wrap="none" rtlCol="0">
-            <a:spAutoFit/>
-          </a:bodyPr>
-          <a:lstStyle/>
-          <a:p>
-            <a:r>
-              <a:rPr lang="en-GB" sz="2400" dirty="0" smtClean="0"/>
-              <a:t>c = a + b</a:t>
-            </a:r>
-          </a:p>
-          <a:p>
-            <a:r>
-              <a:rPr lang="en-GB" sz="2400" dirty="0"/>
-              <a:t>c</a:t>
-            </a:r>
-            <a:r>
-              <a:rPr lang="en-GB" sz="2400" dirty="0" smtClean="0"/>
-              <a:t> = c – m</a:t>
-            </a:r>
-          </a:p>
-          <a:p>
-            <a:r>
-              <a:rPr lang="en-GB" sz="2400" dirty="0"/>
-              <a:t>m</a:t>
-            </a:r>
-            <a:r>
-              <a:rPr lang="en-GB" sz="2400" dirty="0" smtClean="0"/>
-              <a:t>ask = 0 – borrow</a:t>
-            </a:r>
-            <a:br>
-              <a:rPr lang="en-GB" sz="2400" dirty="0" smtClean="0"/>
-            </a:br>
-            <a:r>
-              <a:rPr lang="en-GB" sz="2400" dirty="0" smtClean="0"/>
-              <a:t>mask = mask &amp; m</a:t>
-            </a:r>
-          </a:p>
-          <a:p>
-            <a:r>
-              <a:rPr lang="en-GB" sz="2400" dirty="0" smtClean="0"/>
-              <a:t>c = c + mask</a:t>
-            </a:r>
-            <a:endParaRPr lang="en-GB" sz="2400" dirty="0"/>
-          </a:p>
-        </p:txBody>
-      </p:sp>
     </p:spTree>
     <p:extLst>
       <p:ext uri="{BB962C8B-B14F-4D97-AF65-F5344CB8AC3E}">
-        <p14:creationId xmlns:p14="http://schemas.microsoft.com/office/powerpoint/2010/main" val="2310699902"/>
+        <p14:creationId xmlns:p14="http://schemas.microsoft.com/office/powerpoint/2010/main" val="467686000"/>
       </p:ext>
     </p:extLst>
   </p:cSld>
   <p:clrMapOvr>
     <a:masterClrMapping/>
   </p:clrMapOvr>
+  <p:timing>
+    <p:tnLst>
+      <p:par>
+        <p:cTn id="1" dur="indefinite" restart="never" nodeType="tmRoot"/>
+      </p:par>
+    </p:tnLst>
+  </p:timing>
 </p:sld>
 </file>
 
@@ -4291,50 +5056,21 @@
           <a:p>
             <a:r>
               <a:rPr lang="en-GB" dirty="0" smtClean="0"/>
-              <a:t>Modular Subtraction</a:t>
-            </a:r>
-            <a:endParaRPr lang="en-GB" dirty="0"/>
-          </a:p>
-        </p:txBody>
-      </p:sp>
-      <p:sp>
-        <p:nvSpPr>
-          <p:cNvPr id="3" name="Content Placeholder 2"/>
-          <p:cNvSpPr>
-            <a:spLocks noGrp="1"/>
-          </p:cNvSpPr>
-          <p:nvPr>
-            <p:ph idx="1"/>
-          </p:nvPr>
-        </p:nvSpPr>
-        <p:spPr/>
-        <p:txBody>
-          <a:bodyPr/>
-          <a:lstStyle/>
-          <a:p>
-            <a:r>
-              <a:rPr lang="en-GB" dirty="0" smtClean="0"/>
-              <a:t>Similar to modular addition</a:t>
-            </a:r>
-          </a:p>
-          <a:p>
-            <a:r>
-              <a:rPr lang="en-GB" dirty="0" smtClean="0"/>
-              <a:t>Hypothesis: a, b &lt; m</a:t>
-            </a:r>
-          </a:p>
-          <a:p>
+              <a:t>Assembly vs. C</a:t>
+            </a:r>
             <a:endParaRPr lang="en-GB" dirty="0"/>
           </a:p>
         </p:txBody>
       </p:sp>
       <p:pic>
         <p:nvPicPr>
-          <p:cNvPr id="4" name="Picture 3"/>
+          <p:cNvPr id="4" name="Content Placeholder 3"/>
           <p:cNvPicPr>
-            <a:picLocks noChangeAspect="1"/>
+            <a:picLocks noGrp="1" noChangeAspect="1"/>
           </p:cNvPicPr>
-          <p:nvPr/>
+          <p:nvPr>
+            <p:ph idx="1"/>
+          </p:nvPr>
         </p:nvPicPr>
         <p:blipFill>
           <a:blip r:embed="rId2">
@@ -4350,73 +5086,28 @@
         </p:blipFill>
         <p:spPr>
           <a:xfrm>
-            <a:off x="107504" y="2831813"/>
-            <a:ext cx="8964488" cy="3477507"/>
-          </a:xfrm>
-          <a:prstGeom prst="rect">
-            <a:avLst/>
-          </a:prstGeom>
+            <a:off x="457200" y="1608150"/>
+            <a:ext cx="8229600" cy="4510063"/>
+          </a:xfrm>
         </p:spPr>
       </p:pic>
-      <p:sp>
-        <p:nvSpPr>
-          <p:cNvPr id="5" name="TextBox 4"/>
-          <p:cNvSpPr txBox="1"/>
-          <p:nvPr/>
-        </p:nvSpPr>
-        <p:spPr>
-          <a:xfrm>
-            <a:off x="5652120" y="4581128"/>
-            <a:ext cx="2490041" cy="1569660"/>
-          </a:xfrm>
-          <a:prstGeom prst="rect">
-            <a:avLst/>
-          </a:prstGeom>
-          <a:noFill/>
-        </p:spPr>
-        <p:txBody>
-          <a:bodyPr wrap="none" rtlCol="0">
-            <a:spAutoFit/>
-          </a:bodyPr>
-          <a:lstStyle/>
-          <a:p>
-            <a:r>
-              <a:rPr lang="en-GB" sz="2400" dirty="0" smtClean="0"/>
-              <a:t>c = a – b </a:t>
-            </a:r>
-          </a:p>
-          <a:p>
-            <a:r>
-              <a:rPr lang="en-GB" sz="2400" dirty="0" smtClean="0"/>
-              <a:t>mask = 0 – borrow</a:t>
-            </a:r>
-            <a:br>
-              <a:rPr lang="en-GB" sz="2400" dirty="0" smtClean="0"/>
-            </a:br>
-            <a:r>
-              <a:rPr lang="en-GB" sz="2400" dirty="0" smtClean="0"/>
-              <a:t>mask = mask &amp; m</a:t>
-            </a:r>
-          </a:p>
-          <a:p>
-            <a:r>
-              <a:rPr lang="en-GB" sz="2400" dirty="0" smtClean="0"/>
-              <a:t>c = c + mask</a:t>
-            </a:r>
-            <a:endParaRPr lang="en-GB" sz="2400" dirty="0"/>
-          </a:p>
-        </p:txBody>
-      </p:sp>
     </p:spTree>
     <p:extLst>
       <p:ext uri="{BB962C8B-B14F-4D97-AF65-F5344CB8AC3E}">
-        <p14:creationId xmlns:p14="http://schemas.microsoft.com/office/powerpoint/2010/main" val="1825120149"/>
+        <p14:creationId xmlns:p14="http://schemas.microsoft.com/office/powerpoint/2010/main" val="267666589"/>
       </p:ext>
     </p:extLst>
   </p:cSld>
   <p:clrMapOvr>
     <a:masterClrMapping/>
   </p:clrMapOvr>
+  <p:timing>
+    <p:tnLst>
+      <p:par>
+        <p:cTn id="1" dur="indefinite" restart="never" nodeType="tmRoot"/>
+      </p:par>
+    </p:tnLst>
+  </p:timing>
 </p:sld>
 </file>
 
@@ -4454,7 +5145,7 @@
           <a:p>
             <a:r>
               <a:rPr lang="en-GB" dirty="0" smtClean="0"/>
-              <a:t>Benchmark Infrastructure</a:t>
+              <a:t>Operator verification</a:t>
             </a:r>
             <a:endParaRPr lang="en-GB" dirty="0"/>
           </a:p>
@@ -4475,6 +5166,22 @@
           <a:bodyPr/>
           <a:lstStyle/>
           <a:p>
+            <a:r>
+              <a:rPr lang="en-GB" dirty="0" smtClean="0"/>
+              <a:t>Like benchmark infrastructure</a:t>
+            </a:r>
+          </a:p>
+          <a:p>
+            <a:r>
+              <a:rPr lang="en-GB" dirty="0" smtClean="0"/>
+              <a:t>Operation results recovered from server</a:t>
+            </a:r>
+          </a:p>
+          <a:p>
+            <a:r>
+              <a:rPr lang="en-GB" dirty="0" smtClean="0"/>
+              <a:t>Checked for errors with GMP on host</a:t>
+            </a:r>
             <a:endParaRPr lang="en-GB" dirty="0"/>
           </a:p>
         </p:txBody>
@@ -4482,7 +5189,7 @@
     </p:spTree>
     <p:extLst>
       <p:ext uri="{BB962C8B-B14F-4D97-AF65-F5344CB8AC3E}">
-        <p14:creationId xmlns:p14="http://schemas.microsoft.com/office/powerpoint/2010/main" val="1262940810"/>
+        <p14:creationId xmlns:p14="http://schemas.microsoft.com/office/powerpoint/2010/main" val="1305159931"/>
       </p:ext>
     </p:extLst>
   </p:cSld>
@@ -4633,7 +5340,7 @@
           <a:p>
             <a:r>
               <a:rPr lang="en-GB" dirty="0" smtClean="0"/>
-              <a:t>Benchmarks</a:t>
+              <a:t>Conclusion</a:t>
             </a:r>
             <a:endParaRPr lang="en-GB" dirty="0"/>
           </a:p>
@@ -4656,61 +5363,31 @@
           <a:p>
             <a:r>
               <a:rPr lang="en-GB" dirty="0" smtClean="0"/>
-              <a:t>Involve 10 consecutive executions of an operation.</a:t>
-            </a:r>
-          </a:p>
-          <a:p>
-            <a:r>
-              <a:rPr lang="en-GB" dirty="0" smtClean="0"/>
-              <a:t>Types of benchmarks</a:t>
-            </a:r>
-          </a:p>
-          <a:p>
-            <a:pPr lvl="1"/>
-            <a:r>
-              <a:rPr lang="en-GB" dirty="0" smtClean="0"/>
-              <a:t>Local vs. global memory access</a:t>
-            </a:r>
-          </a:p>
-          <a:p>
-            <a:pPr lvl="1"/>
-            <a:r>
-              <a:rPr lang="en-GB" dirty="0" smtClean="0"/>
-              <a:t>Importance of operand layout in memory</a:t>
-            </a:r>
-          </a:p>
-          <a:p>
-            <a:pPr lvl="1"/>
-            <a:r>
-              <a:rPr lang="en-GB" dirty="0" smtClean="0"/>
-              <a:t>Classical vs. </a:t>
-            </a:r>
-            <a:r>
-              <a:rPr lang="en-GB" dirty="0" err="1" smtClean="0"/>
-              <a:t>Karatsuba</a:t>
-            </a:r>
-            <a:r>
-              <a:rPr lang="en-GB" dirty="0" smtClean="0"/>
-              <a:t> multiplication</a:t>
-            </a:r>
-          </a:p>
-          <a:p>
-            <a:pPr lvl="1"/>
-            <a:r>
-              <a:rPr lang="en-GB" dirty="0" err="1" smtClean="0"/>
-              <a:t>Kepler</a:t>
-            </a:r>
-            <a:r>
-              <a:rPr lang="en-GB" dirty="0" smtClean="0"/>
-              <a:t> vs. Fermi</a:t>
-            </a:r>
-          </a:p>
-          <a:p>
-            <a:pPr lvl="1"/>
-            <a:r>
-              <a:rPr lang="en-GB" dirty="0" smtClean="0"/>
-              <a:t>Warp occupation</a:t>
-            </a:r>
+              <a:t>Project was tedious to start</a:t>
+            </a:r>
+          </a:p>
+          <a:p>
+            <a:r>
+              <a:rPr lang="en-GB" dirty="0" smtClean="0"/>
+              <a:t>Hard time debugging</a:t>
+            </a:r>
+          </a:p>
+          <a:p>
+            <a:r>
+              <a:rPr lang="en-GB" dirty="0" smtClean="0"/>
+              <a:t>First hands-on experience</a:t>
+            </a:r>
+          </a:p>
+          <a:p>
+            <a:r>
+              <a:rPr lang="en-GB" dirty="0" smtClean="0"/>
+              <a:t>Great fun learning</a:t>
+            </a:r>
+          </a:p>
+          <a:p>
+            <a:pPr marL="0" indent="0">
+              <a:buNone/>
+            </a:pPr>
             <a:endParaRPr lang="en-GB" dirty="0"/>
           </a:p>
         </p:txBody>
@@ -4718,7 +5395,7 @@
     </p:spTree>
     <p:extLst>
       <p:ext uri="{BB962C8B-B14F-4D97-AF65-F5344CB8AC3E}">
-        <p14:creationId xmlns:p14="http://schemas.microsoft.com/office/powerpoint/2010/main" val="3123424124"/>
+        <p14:creationId xmlns:p14="http://schemas.microsoft.com/office/powerpoint/2010/main" val="1222368615"/>
       </p:ext>
     </p:extLst>
   </p:cSld>
@@ -4754,66 +5431,39 @@
       </p:grpSpPr>
       <p:sp>
         <p:nvSpPr>
-          <p:cNvPr id="2" name="Title 1"/>
-          <p:cNvSpPr>
-            <a:spLocks noGrp="1"/>
-          </p:cNvSpPr>
-          <p:nvPr>
-            <p:ph type="title"/>
-          </p:nvPr>
-        </p:nvSpPr>
-        <p:spPr/>
-        <p:txBody>
-          <a:bodyPr/>
-          <a:lstStyle/>
-          <a:p>
-            <a:r>
-              <a:rPr lang="en-GB" dirty="0" smtClean="0"/>
-              <a:t>Warp Occupation Results</a:t>
-            </a:r>
-            <a:endParaRPr lang="en-GB" dirty="0"/>
-          </a:p>
-        </p:txBody>
-      </p:sp>
-      <p:sp>
-        <p:nvSpPr>
-          <p:cNvPr id="5" name="Content Placeholder 4"/>
-          <p:cNvSpPr>
-            <a:spLocks noGrp="1"/>
-          </p:cNvSpPr>
-          <p:nvPr>
-            <p:ph idx="1"/>
-          </p:nvPr>
-        </p:nvSpPr>
-        <p:spPr/>
-        <p:txBody>
-          <a:bodyPr/>
-          <a:lstStyle/>
-          <a:p>
-            <a:r>
-              <a:rPr lang="en-GB" dirty="0" smtClean="0"/>
-              <a:t>Better to have less blocks, where more threads are used.</a:t>
-            </a:r>
-          </a:p>
-          <a:p>
-            <a:r>
-              <a:rPr lang="en-GB" dirty="0" smtClean="0"/>
-              <a:t>Must keep warp occupation full, at least 32 threads.</a:t>
-            </a:r>
-          </a:p>
-          <a:p>
-            <a:r>
-              <a:rPr lang="en-GB" dirty="0" smtClean="0"/>
-              <a:t>If not, then resources are wasted.</a:t>
-            </a:r>
-            <a:endParaRPr lang="en-GB" dirty="0"/>
+          <p:cNvPr id="2" name="TextBox 1"/>
+          <p:cNvSpPr txBox="1"/>
+          <p:nvPr/>
+        </p:nvSpPr>
+        <p:spPr>
+          <a:xfrm>
+            <a:off x="2854800" y="2852936"/>
+            <a:ext cx="3683381" cy="1015663"/>
+          </a:xfrm>
+          <a:prstGeom prst="rect">
+            <a:avLst/>
+          </a:prstGeom>
+          <a:noFill/>
+        </p:spPr>
+        <p:txBody>
+          <a:bodyPr wrap="none" rtlCol="0">
+            <a:spAutoFit/>
+          </a:bodyPr>
+          <a:lstStyle/>
+          <a:p>
+            <a:pPr algn="ctr"/>
+            <a:r>
+              <a:rPr lang="en-GB" sz="6000" dirty="0" smtClean="0"/>
+              <a:t>Questions?</a:t>
+            </a:r>
+            <a:endParaRPr lang="en-GB" sz="6000" dirty="0"/>
           </a:p>
         </p:txBody>
       </p:sp>
     </p:spTree>
     <p:extLst>
       <p:ext uri="{BB962C8B-B14F-4D97-AF65-F5344CB8AC3E}">
-        <p14:creationId xmlns:p14="http://schemas.microsoft.com/office/powerpoint/2010/main" val="1675382120"/>
+        <p14:creationId xmlns:p14="http://schemas.microsoft.com/office/powerpoint/2010/main" val="1859606178"/>
       </p:ext>
     </p:extLst>
   </p:cSld>
@@ -4857,146 +5507,28 @@
             <p:ph type="title"/>
           </p:nvPr>
         </p:nvSpPr>
-        <p:spPr/>
-        <p:txBody>
-          <a:bodyPr>
-            <a:normAutofit fontScale="90000"/>
-          </a:bodyPr>
-          <a:lstStyle/>
-          <a:p>
-            <a:r>
-              <a:rPr lang="en-GB" dirty="0" err="1" smtClean="0"/>
-              <a:t>Karatsuba</a:t>
-            </a:r>
-            <a:r>
-              <a:rPr lang="en-GB" dirty="0" smtClean="0"/>
-              <a:t> vs. Classical Multiplication and Warp Occupancy</a:t>
+        <p:spPr>
+          <a:xfrm>
+            <a:off x="467544" y="2924944"/>
+            <a:ext cx="8229600" cy="1143000"/>
+          </a:xfrm>
+        </p:spPr>
+        <p:txBody>
+          <a:bodyPr/>
+          <a:lstStyle/>
+          <a:p>
+            <a:r>
+              <a:rPr lang="en-GB" dirty="0" smtClean="0"/>
+              <a:t>Thanks</a:t>
             </a:r>
             <a:endParaRPr lang="en-GB" dirty="0"/>
           </a:p>
         </p:txBody>
       </p:sp>
-      <p:pic>
-        <p:nvPicPr>
-          <p:cNvPr id="4" name="Content Placeholder 3"/>
-          <p:cNvPicPr>
-            <a:picLocks noGrp="1" noChangeAspect="1"/>
-          </p:cNvPicPr>
-          <p:nvPr>
-            <p:ph idx="1"/>
-          </p:nvPr>
-        </p:nvPicPr>
-        <p:blipFill>
-          <a:blip r:embed="rId2">
-            <a:extLst>
-              <a:ext uri="{28A0092B-C50C-407E-A947-70E740481C1C}">
-                <a14:useLocalDpi xmlns:a14="http://schemas.microsoft.com/office/drawing/2010/main" val="0"/>
-              </a:ext>
-            </a:extLst>
-          </a:blip>
-          <a:stretch>
-            <a:fillRect/>
-          </a:stretch>
-        </p:blipFill>
-        <p:spPr>
-          <a:xfrm>
-            <a:off x="1427036" y="1600200"/>
-            <a:ext cx="6289928" cy="4525963"/>
-          </a:xfrm>
-        </p:spPr>
-      </p:pic>
     </p:spTree>
     <p:extLst>
       <p:ext uri="{BB962C8B-B14F-4D97-AF65-F5344CB8AC3E}">
-        <p14:creationId xmlns:p14="http://schemas.microsoft.com/office/powerpoint/2010/main" val="467686000"/>
-      </p:ext>
-    </p:extLst>
-  </p:cSld>
-  <p:clrMapOvr>
-    <a:masterClrMapping/>
-  </p:clrMapOvr>
-</p:sld>
-</file>
-
-<file path=ppt/slides/slide23.xml><?xml version="1.0" encoding="utf-8"?>
-<p:sld xmlns:a="http://schemas.openxmlformats.org/drawingml/2006/main" xmlns:r="http://schemas.openxmlformats.org/officeDocument/2006/relationships" xmlns:p="http://schemas.openxmlformats.org/presentationml/2006/main">
-  <p:cSld>
-    <p:spTree>
-      <p:nvGrpSpPr>
-        <p:cNvPr id="1" name=""/>
-        <p:cNvGrpSpPr/>
-        <p:nvPr/>
-      </p:nvGrpSpPr>
-      <p:grpSpPr>
-        <a:xfrm>
-          <a:off x="0" y="0"/>
-          <a:ext cx="0" cy="0"/>
-          <a:chOff x="0" y="0"/>
-          <a:chExt cx="0" cy="0"/>
-        </a:xfrm>
-      </p:grpSpPr>
-      <p:sp>
-        <p:nvSpPr>
-          <p:cNvPr id="2" name="Title 1"/>
-          <p:cNvSpPr>
-            <a:spLocks noGrp="1"/>
-          </p:cNvSpPr>
-          <p:nvPr>
-            <p:ph type="title"/>
-          </p:nvPr>
-        </p:nvSpPr>
-        <p:spPr/>
-        <p:txBody>
-          <a:bodyPr/>
-          <a:lstStyle/>
-          <a:p>
-            <a:r>
-              <a:rPr lang="en-GB" dirty="0" smtClean="0"/>
-              <a:t>Operator verification</a:t>
-            </a:r>
-            <a:endParaRPr lang="en-GB" dirty="0"/>
-          </a:p>
-        </p:txBody>
-      </p:sp>
-      <p:sp>
-        <p:nvSpPr>
-          <p:cNvPr id="3" name="Content Placeholder 2"/>
-          <p:cNvSpPr>
-            <a:spLocks noGrp="1"/>
-          </p:cNvSpPr>
-          <p:nvPr>
-            <p:ph idx="1"/>
-          </p:nvPr>
-        </p:nvSpPr>
-        <p:spPr/>
-        <p:txBody>
-          <a:bodyPr/>
-          <a:lstStyle/>
-          <a:p>
-            <a:r>
-              <a:rPr lang="en-GB" dirty="0" smtClean="0"/>
-              <a:t>Like benchmark infrastructure</a:t>
-            </a:r>
-          </a:p>
-          <a:p>
-            <a:r>
-              <a:rPr lang="en-GB" dirty="0" smtClean="0"/>
-              <a:t>Operation results recovered from server</a:t>
-            </a:r>
-          </a:p>
-          <a:p>
-            <a:r>
-              <a:rPr lang="en-GB" dirty="0" smtClean="0"/>
-              <a:t>Checked for errors with GMP on host</a:t>
-            </a:r>
-            <a:endParaRPr lang="en-GB" dirty="0"/>
-          </a:p>
-        </p:txBody>
-      </p:sp>
-    </p:spTree>
-    <p:extLst>
-      <p:ext uri="{BB962C8B-B14F-4D97-AF65-F5344CB8AC3E}">
-        <p14:creationId xmlns:p14="http://schemas.microsoft.com/office/powerpoint/2010/main" val="1305159931"/>
+        <p14:creationId xmlns:p14="http://schemas.microsoft.com/office/powerpoint/2010/main" val="2917315740"/>
       </p:ext>
     </p:extLst>
   </p:cSld>
@@ -5010,224 +5542,6 @@
       </p:par>
     </p:tnLst>
   </p:timing>
-</p:sld>
-</file>
-
-<file path=ppt/slides/slide24.xml><?xml version="1.0" encoding="utf-8"?>
-<p:sld xmlns:a="http://schemas.openxmlformats.org/drawingml/2006/main" xmlns:r="http://schemas.openxmlformats.org/officeDocument/2006/relationships" xmlns:p="http://schemas.openxmlformats.org/presentationml/2006/main">
-  <p:cSld>
-    <p:spTree>
-      <p:nvGrpSpPr>
-        <p:cNvPr id="1" name=""/>
-        <p:cNvGrpSpPr/>
-        <p:nvPr/>
-      </p:nvGrpSpPr>
-      <p:grpSpPr>
-        <a:xfrm>
-          <a:off x="0" y="0"/>
-          <a:ext cx="0" cy="0"/>
-          <a:chOff x="0" y="0"/>
-          <a:chExt cx="0" cy="0"/>
-        </a:xfrm>
-      </p:grpSpPr>
-      <p:sp>
-        <p:nvSpPr>
-          <p:cNvPr id="2" name="Title 1"/>
-          <p:cNvSpPr>
-            <a:spLocks noGrp="1"/>
-          </p:cNvSpPr>
-          <p:nvPr>
-            <p:ph type="title"/>
-          </p:nvPr>
-        </p:nvSpPr>
-        <p:spPr/>
-        <p:txBody>
-          <a:bodyPr/>
-          <a:lstStyle/>
-          <a:p>
-            <a:r>
-              <a:rPr lang="en-GB" dirty="0" smtClean="0"/>
-              <a:t>Conclusion</a:t>
-            </a:r>
-            <a:endParaRPr lang="en-GB" dirty="0"/>
-          </a:p>
-        </p:txBody>
-      </p:sp>
-      <p:sp>
-        <p:nvSpPr>
-          <p:cNvPr id="3" name="Content Placeholder 2"/>
-          <p:cNvSpPr>
-            <a:spLocks noGrp="1"/>
-          </p:cNvSpPr>
-          <p:nvPr>
-            <p:ph idx="1"/>
-          </p:nvPr>
-        </p:nvSpPr>
-        <p:spPr/>
-        <p:txBody>
-          <a:bodyPr/>
-          <a:lstStyle/>
-          <a:p>
-            <a:r>
-              <a:rPr lang="en-GB" dirty="0" smtClean="0"/>
-              <a:t>Project was tedious to start</a:t>
-            </a:r>
-          </a:p>
-          <a:p>
-            <a:r>
-              <a:rPr lang="en-GB" dirty="0" smtClean="0"/>
-              <a:t>Hard time debugging</a:t>
-            </a:r>
-          </a:p>
-          <a:p>
-            <a:r>
-              <a:rPr lang="en-GB" dirty="0" smtClean="0"/>
-              <a:t>First hands-on experience</a:t>
-            </a:r>
-          </a:p>
-          <a:p>
-            <a:r>
-              <a:rPr lang="en-GB" dirty="0" smtClean="0"/>
-              <a:t>Great fun learning</a:t>
-            </a:r>
-          </a:p>
-          <a:p>
-            <a:pPr marL="0" indent="0">
-              <a:buNone/>
-            </a:pPr>
-            <a:endParaRPr lang="en-GB" dirty="0"/>
-          </a:p>
-        </p:txBody>
-      </p:sp>
-    </p:spTree>
-    <p:extLst>
-      <p:ext uri="{BB962C8B-B14F-4D97-AF65-F5344CB8AC3E}">
-        <p14:creationId xmlns:p14="http://schemas.microsoft.com/office/powerpoint/2010/main" val="1222368615"/>
-      </p:ext>
-    </p:extLst>
-  </p:cSld>
-  <p:clrMapOvr>
-    <a:masterClrMapping/>
-  </p:clrMapOvr>
-</p:sld>
-</file>
-
-<file path=ppt/slides/slide25.xml><?xml version="1.0" encoding="utf-8"?>
-<p:sld xmlns:a="http://schemas.openxmlformats.org/drawingml/2006/main" xmlns:r="http://schemas.openxmlformats.org/officeDocument/2006/relationships" xmlns:p="http://schemas.openxmlformats.org/presentationml/2006/main">
-  <p:cSld>
-    <p:spTree>
-      <p:nvGrpSpPr>
-        <p:cNvPr id="1" name=""/>
-        <p:cNvGrpSpPr/>
-        <p:nvPr/>
-      </p:nvGrpSpPr>
-      <p:grpSpPr>
-        <a:xfrm>
-          <a:off x="0" y="0"/>
-          <a:ext cx="0" cy="0"/>
-          <a:chOff x="0" y="0"/>
-          <a:chExt cx="0" cy="0"/>
-        </a:xfrm>
-      </p:grpSpPr>
-      <p:sp>
-        <p:nvSpPr>
-          <p:cNvPr id="2" name="TextBox 1"/>
-          <p:cNvSpPr txBox="1"/>
-          <p:nvPr/>
-        </p:nvSpPr>
-        <p:spPr>
-          <a:xfrm>
-            <a:off x="2854800" y="2852936"/>
-            <a:ext cx="3683381" cy="1015663"/>
-          </a:xfrm>
-          <a:prstGeom prst="rect">
-            <a:avLst/>
-          </a:prstGeom>
-          <a:noFill/>
-        </p:spPr>
-        <p:txBody>
-          <a:bodyPr wrap="none" rtlCol="0">
-            <a:spAutoFit/>
-          </a:bodyPr>
-          <a:lstStyle/>
-          <a:p>
-            <a:pPr algn="ctr"/>
-            <a:r>
-              <a:rPr lang="en-GB" sz="6000" dirty="0" smtClean="0"/>
-              <a:t>Questions?</a:t>
-            </a:r>
-            <a:endParaRPr lang="en-GB" sz="6000" dirty="0"/>
-          </a:p>
-        </p:txBody>
-      </p:sp>
-    </p:spTree>
-    <p:extLst>
-      <p:ext uri="{BB962C8B-B14F-4D97-AF65-F5344CB8AC3E}">
-        <p14:creationId xmlns:p14="http://schemas.microsoft.com/office/powerpoint/2010/main" val="1859606178"/>
-      </p:ext>
-    </p:extLst>
-  </p:cSld>
-  <p:clrMapOvr>
-    <a:masterClrMapping/>
-  </p:clrMapOvr>
-</p:sld>
-</file>
-
-<file path=ppt/slides/slide26.xml><?xml version="1.0" encoding="utf-8"?>
-<p:sld xmlns:a="http://schemas.openxmlformats.org/drawingml/2006/main" xmlns:r="http://schemas.openxmlformats.org/officeDocument/2006/relationships" xmlns:p="http://schemas.openxmlformats.org/presentationml/2006/main">
-  <p:cSld>
-    <p:spTree>
-      <p:nvGrpSpPr>
-        <p:cNvPr id="1" name=""/>
-        <p:cNvGrpSpPr/>
-        <p:nvPr/>
-      </p:nvGrpSpPr>
-      <p:grpSpPr>
-        <a:xfrm>
-          <a:off x="0" y="0"/>
-          <a:ext cx="0" cy="0"/>
-          <a:chOff x="0" y="0"/>
-          <a:chExt cx="0" cy="0"/>
-        </a:xfrm>
-      </p:grpSpPr>
-      <p:sp>
-        <p:nvSpPr>
-          <p:cNvPr id="2" name="Title 1"/>
-          <p:cNvSpPr>
-            <a:spLocks noGrp="1"/>
-          </p:cNvSpPr>
-          <p:nvPr>
-            <p:ph type="title"/>
-          </p:nvPr>
-        </p:nvSpPr>
-        <p:spPr>
-          <a:xfrm>
-            <a:off x="467544" y="2924944"/>
-            <a:ext cx="8229600" cy="1143000"/>
-          </a:xfrm>
-        </p:spPr>
-        <p:txBody>
-          <a:bodyPr/>
-          <a:lstStyle/>
-          <a:p>
-            <a:r>
-              <a:rPr lang="en-GB" dirty="0" smtClean="0"/>
-              <a:t>Thanks</a:t>
-            </a:r>
-            <a:endParaRPr lang="en-GB" dirty="0"/>
-          </a:p>
-        </p:txBody>
-      </p:sp>
-    </p:spTree>
-    <p:extLst>
-      <p:ext uri="{BB962C8B-B14F-4D97-AF65-F5344CB8AC3E}">
-        <p14:creationId xmlns:p14="http://schemas.microsoft.com/office/powerpoint/2010/main" val="2917315740"/>
-      </p:ext>
-    </p:extLst>
-  </p:cSld>
-  <p:clrMapOvr>
-    <a:masterClrMapping/>
-  </p:clrMapOvr>
 </p:sld>
 </file>
 
@@ -5391,13 +5705,8 @@
           <a:p>
             <a:r>
               <a:rPr lang="en-GB" dirty="0" smtClean="0"/>
-              <a:t>Learning GPU programming through </a:t>
-            </a:r>
-            <a:r>
-              <a:rPr lang="en-GB" dirty="0" smtClean="0"/>
-              <a:t>experimentation to see what works best</a:t>
-            </a:r>
-            <a:endParaRPr lang="en-GB" dirty="0" smtClean="0"/>
+              <a:t>Learning GPU programming through experimentation to see what works best</a:t>
+            </a:r>
           </a:p>
           <a:p>
             <a:r>
@@ -5758,13 +6067,8 @@
             <a:pPr lvl="1"/>
             <a:r>
               <a:rPr lang="en-GB" dirty="0" smtClean="0"/>
-              <a:t>Not hidden behind a compiler: we know exactly what's going </a:t>
-            </a:r>
-            <a:r>
-              <a:rPr lang="en-GB" dirty="0" smtClean="0"/>
-              <a:t>on</a:t>
-            </a:r>
-            <a:endParaRPr lang="en-GB" dirty="0" smtClean="0"/>
+              <a:t>Not hidden behind a compiler: we know exactly what's going on</a:t>
+            </a:r>
           </a:p>
           <a:p>
             <a:r>
@@ -5966,44 +6270,675 @@
             <p:ph type="title"/>
           </p:nvPr>
         </p:nvSpPr>
-        <p:spPr/>
-        <p:txBody>
-          <a:bodyPr/>
-          <a:lstStyle/>
-          <a:p>
+        <p:spPr>
+          <a:xfrm>
+            <a:off x="-180528" y="3531661"/>
+            <a:ext cx="5976664" cy="1143000"/>
+          </a:xfrm>
+        </p:spPr>
+        <p:txBody>
+          <a:bodyPr/>
+          <a:lstStyle/>
+          <a:p>
+            <a:r>
+              <a:rPr lang="en-GB" dirty="0" smtClean="0"/>
+              <a:t>Our Framework</a:t>
+            </a:r>
             <a:endParaRPr lang="en-GB" dirty="0"/>
           </a:p>
         </p:txBody>
       </p:sp>
-      <p:sp>
-        <p:nvSpPr>
-          <p:cNvPr id="5" name="Content Placeholder 4"/>
-          <p:cNvSpPr>
-            <a:spLocks noGrp="1"/>
-          </p:cNvSpPr>
+      <p:pic>
+        <p:nvPicPr>
+          <p:cNvPr id="4" name="Content Placeholder 4"/>
+          <p:cNvPicPr>
+            <a:picLocks noGrp="1" noChangeAspect="1"/>
+          </p:cNvPicPr>
           <p:nvPr>
             <p:ph idx="1"/>
           </p:nvPr>
-        </p:nvSpPr>
-        <p:spPr/>
-        <p:txBody>
-          <a:bodyPr/>
-          <a:lstStyle/>
-          <a:p>
+        </p:nvPicPr>
+        <p:blipFill>
+          <a:blip r:embed="rId2">
+            <a:extLst>
+              <a:ext uri="{28A0092B-C50C-407E-A947-70E740481C1C}">
+                <a14:useLocalDpi xmlns:a14="http://schemas.microsoft.com/office/drawing/2010/main" val="0"/>
+              </a:ext>
+            </a:extLst>
+          </a:blip>
+          <a:stretch>
+            <a:fillRect/>
+          </a:stretch>
+        </p:blipFill>
+        <p:spPr>
+          <a:xfrm>
+            <a:off x="2555776" y="1502786"/>
+            <a:ext cx="1664336" cy="1764196"/>
+          </a:xfrm>
+        </p:spPr>
+      </p:pic>
+      <p:pic>
+        <p:nvPicPr>
+          <p:cNvPr id="5" name="Picture 4"/>
+          <p:cNvPicPr>
+            <a:picLocks noChangeAspect="1"/>
+          </p:cNvPicPr>
+          <p:nvPr/>
+        </p:nvPicPr>
+        <p:blipFill>
+          <a:blip r:embed="rId3">
+            <a:extLst>
+              <a:ext uri="{28A0092B-C50C-407E-A947-70E740481C1C}">
+                <a14:useLocalDpi xmlns:a14="http://schemas.microsoft.com/office/drawing/2010/main" val="0"/>
+              </a:ext>
+            </a:extLst>
+          </a:blip>
+          <a:stretch>
+            <a:fillRect/>
+          </a:stretch>
+        </p:blipFill>
+        <p:spPr>
+          <a:xfrm>
+            <a:off x="323528" y="332656"/>
+            <a:ext cx="1224136" cy="1224136"/>
+          </a:xfrm>
+          <a:prstGeom prst="rect">
+            <a:avLst/>
+          </a:prstGeom>
+        </p:spPr>
+      </p:pic>
+      <p:pic>
+        <p:nvPicPr>
+          <p:cNvPr id="6" name="Picture 5"/>
+          <p:cNvPicPr>
+            <a:picLocks noChangeAspect="1"/>
+          </p:cNvPicPr>
+          <p:nvPr/>
+        </p:nvPicPr>
+        <p:blipFill>
+          <a:blip r:embed="rId4">
+            <a:extLst>
+              <a:ext uri="{28A0092B-C50C-407E-A947-70E740481C1C}">
+                <a14:useLocalDpi xmlns:a14="http://schemas.microsoft.com/office/drawing/2010/main" val="0"/>
+              </a:ext>
+            </a:extLst>
+          </a:blip>
+          <a:stretch>
+            <a:fillRect/>
+          </a:stretch>
+        </p:blipFill>
+        <p:spPr>
+          <a:xfrm>
+            <a:off x="5652120" y="1556792"/>
+            <a:ext cx="1656184" cy="1656184"/>
+          </a:xfrm>
+          <a:prstGeom prst="rect">
+            <a:avLst/>
+          </a:prstGeom>
+        </p:spPr>
+      </p:pic>
+      <p:pic>
+        <p:nvPicPr>
+          <p:cNvPr id="7" name="Picture 6"/>
+          <p:cNvPicPr>
+            <a:picLocks noChangeAspect="1"/>
+          </p:cNvPicPr>
+          <p:nvPr/>
+        </p:nvPicPr>
+        <p:blipFill>
+          <a:blip r:embed="rId5">
+            <a:extLst>
+              <a:ext uri="{28A0092B-C50C-407E-A947-70E740481C1C}">
+                <a14:useLocalDpi xmlns:a14="http://schemas.microsoft.com/office/drawing/2010/main" val="0"/>
+              </a:ext>
+            </a:extLst>
+          </a:blip>
+          <a:stretch>
+            <a:fillRect/>
+          </a:stretch>
+        </p:blipFill>
+        <p:spPr>
+          <a:xfrm>
+            <a:off x="5796136" y="4641696"/>
+            <a:ext cx="1512168" cy="1512168"/>
+          </a:xfrm>
+          <a:prstGeom prst="rect">
+            <a:avLst/>
+          </a:prstGeom>
+        </p:spPr>
+      </p:pic>
+      <p:pic>
+        <p:nvPicPr>
+          <p:cNvPr id="8" name="Picture 7"/>
+          <p:cNvPicPr>
+            <a:picLocks noChangeAspect="1"/>
+          </p:cNvPicPr>
+          <p:nvPr/>
+        </p:nvPicPr>
+        <p:blipFill>
+          <a:blip r:embed="rId6">
+            <a:extLst>
+              <a:ext uri="{28A0092B-C50C-407E-A947-70E740481C1C}">
+                <a14:useLocalDpi xmlns:a14="http://schemas.microsoft.com/office/drawing/2010/main" val="0"/>
+              </a:ext>
+            </a:extLst>
+          </a:blip>
+          <a:stretch>
+            <a:fillRect/>
+          </a:stretch>
+        </p:blipFill>
+        <p:spPr>
+          <a:xfrm>
+            <a:off x="189645" y="4795845"/>
+            <a:ext cx="1358019" cy="1358019"/>
+          </a:xfrm>
+          <a:prstGeom prst="rect">
+            <a:avLst/>
+          </a:prstGeom>
+        </p:spPr>
+      </p:pic>
+      <p:sp>
+        <p:nvSpPr>
+          <p:cNvPr id="10" name="Down Arrow 9"/>
+          <p:cNvSpPr/>
+          <p:nvPr/>
+        </p:nvSpPr>
+        <p:spPr>
+          <a:xfrm>
+            <a:off x="6300192" y="4113076"/>
+            <a:ext cx="360040" cy="396044"/>
+          </a:xfrm>
+          <a:prstGeom prst="downArrow">
+            <a:avLst/>
+          </a:prstGeom>
+        </p:spPr>
+        <p:style>
+          <a:lnRef idx="2">
+            <a:schemeClr val="accent1">
+              <a:shade val="50000"/>
+            </a:schemeClr>
+          </a:lnRef>
+          <a:fillRef idx="1">
+            <a:schemeClr val="accent1"/>
+          </a:fillRef>
+          <a:effectRef idx="0">
+            <a:schemeClr val="accent1"/>
+          </a:effectRef>
+          <a:fontRef idx="minor">
+            <a:schemeClr val="lt1"/>
+          </a:fontRef>
+        </p:style>
+        <p:txBody>
+          <a:bodyPr rtlCol="0" anchor="ctr"/>
+          <a:lstStyle/>
+          <a:p>
+            <a:pPr algn="ctr"/>
             <a:endParaRPr lang="en-GB"/>
+          </a:p>
+        </p:txBody>
+      </p:sp>
+      <p:sp>
+        <p:nvSpPr>
+          <p:cNvPr id="11" name="TextBox 10"/>
+          <p:cNvSpPr txBox="1"/>
+          <p:nvPr/>
+        </p:nvSpPr>
+        <p:spPr>
+          <a:xfrm>
+            <a:off x="5520603" y="3729972"/>
+            <a:ext cx="2279257" cy="307777"/>
+          </a:xfrm>
+          <a:prstGeom prst="rect">
+            <a:avLst/>
+          </a:prstGeom>
+          <a:noFill/>
+        </p:spPr>
+        <p:txBody>
+          <a:bodyPr wrap="square" rtlCol="0">
+            <a:spAutoFit/>
+          </a:bodyPr>
+          <a:lstStyle/>
+          <a:p>
+            <a:r>
+              <a:rPr lang="en-GB" sz="1400" dirty="0" err="1"/>
+              <a:t>nvcc</a:t>
+            </a:r>
+            <a:r>
+              <a:rPr lang="en-GB" sz="1400" dirty="0"/>
+              <a:t> -</a:t>
+            </a:r>
+            <a:r>
+              <a:rPr lang="en-GB" sz="1400" dirty="0" smtClean="0"/>
+              <a:t>arch=sm_30 file.cu</a:t>
+            </a:r>
+            <a:endParaRPr lang="en-GB" sz="1400" dirty="0"/>
+          </a:p>
+        </p:txBody>
+      </p:sp>
+      <p:sp>
+        <p:nvSpPr>
+          <p:cNvPr id="12" name="Down Arrow 11"/>
+          <p:cNvSpPr/>
+          <p:nvPr/>
+        </p:nvSpPr>
+        <p:spPr>
+          <a:xfrm>
+            <a:off x="6300192" y="3333928"/>
+            <a:ext cx="360040" cy="396044"/>
+          </a:xfrm>
+          <a:prstGeom prst="downArrow">
+            <a:avLst/>
+          </a:prstGeom>
+        </p:spPr>
+        <p:style>
+          <a:lnRef idx="2">
+            <a:schemeClr val="accent1">
+              <a:shade val="50000"/>
+            </a:schemeClr>
+          </a:lnRef>
+          <a:fillRef idx="1">
+            <a:schemeClr val="accent1"/>
+          </a:fillRef>
+          <a:effectRef idx="0">
+            <a:schemeClr val="accent1"/>
+          </a:effectRef>
+          <a:fontRef idx="minor">
+            <a:schemeClr val="lt1"/>
+          </a:fontRef>
+        </p:style>
+        <p:txBody>
+          <a:bodyPr rtlCol="0" anchor="ctr"/>
+          <a:lstStyle/>
+          <a:p>
+            <a:pPr algn="ctr"/>
+            <a:endParaRPr lang="en-GB"/>
+          </a:p>
+        </p:txBody>
+      </p:sp>
+      <p:sp>
+        <p:nvSpPr>
+          <p:cNvPr id="14" name="Cloud 13"/>
+          <p:cNvSpPr/>
+          <p:nvPr/>
+        </p:nvSpPr>
+        <p:spPr>
+          <a:xfrm>
+            <a:off x="3365926" y="4619978"/>
+            <a:ext cx="2286194" cy="1811374"/>
+          </a:xfrm>
+          <a:prstGeom prst="cloud">
+            <a:avLst/>
+          </a:prstGeom>
+        </p:spPr>
+        <p:style>
+          <a:lnRef idx="2">
+            <a:schemeClr val="accent1">
+              <a:shade val="50000"/>
+            </a:schemeClr>
+          </a:lnRef>
+          <a:fillRef idx="1">
+            <a:schemeClr val="accent1"/>
+          </a:fillRef>
+          <a:effectRef idx="0">
+            <a:schemeClr val="accent1"/>
+          </a:effectRef>
+          <a:fontRef idx="minor">
+            <a:schemeClr val="lt1"/>
+          </a:fontRef>
+        </p:style>
+        <p:txBody>
+          <a:bodyPr rtlCol="0" anchor="ctr"/>
+          <a:lstStyle/>
+          <a:p>
+            <a:pPr algn="ctr"/>
+            <a:r>
+              <a:rPr lang="en-GB" dirty="0" smtClean="0"/>
+              <a:t>Network transfer to </a:t>
+            </a:r>
+            <a:r>
+              <a:rPr lang="en-GB" sz="1400" dirty="0" smtClean="0"/>
+              <a:t>lacalgpu2.epfl.ch</a:t>
+            </a:r>
+            <a:endParaRPr lang="en-GB" sz="1400" dirty="0"/>
+          </a:p>
+        </p:txBody>
+      </p:sp>
+      <p:sp>
+        <p:nvSpPr>
+          <p:cNvPr id="15" name="TextBox 14"/>
+          <p:cNvSpPr txBox="1"/>
+          <p:nvPr/>
+        </p:nvSpPr>
+        <p:spPr>
+          <a:xfrm>
+            <a:off x="107504" y="1628800"/>
+            <a:ext cx="2808312" cy="1754326"/>
+          </a:xfrm>
+          <a:prstGeom prst="rect">
+            <a:avLst/>
+          </a:prstGeom>
+          <a:noFill/>
+        </p:spPr>
+        <p:txBody>
+          <a:bodyPr wrap="square" rtlCol="0">
+            <a:spAutoFit/>
+          </a:bodyPr>
+          <a:lstStyle/>
+          <a:p>
+            <a:r>
+              <a:rPr lang="en-GB" dirty="0" smtClean="0"/>
+              <a:t>constants.py</a:t>
+            </a:r>
+          </a:p>
+          <a:p>
+            <a:pPr marL="285750" indent="-285750">
+              <a:buFont typeface="Arial" pitchFamily="34" charset="0"/>
+              <a:buChar char="•"/>
+            </a:pPr>
+            <a:r>
+              <a:rPr lang="en-GB" dirty="0" smtClean="0"/>
+              <a:t>Precision</a:t>
+            </a:r>
+          </a:p>
+          <a:p>
+            <a:pPr marL="285750" indent="-285750">
+              <a:buFont typeface="Arial" pitchFamily="34" charset="0"/>
+              <a:buChar char="•"/>
+            </a:pPr>
+            <a:r>
+              <a:rPr lang="en-GB" dirty="0" smtClean="0"/>
+              <a:t>Bits per word</a:t>
+            </a:r>
+          </a:p>
+          <a:p>
+            <a:pPr marL="285750" indent="-285750">
+              <a:buFont typeface="Arial" pitchFamily="34" charset="0"/>
+              <a:buChar char="•"/>
+            </a:pPr>
+            <a:r>
+              <a:rPr lang="en-GB" dirty="0" smtClean="0"/>
+              <a:t>Output file</a:t>
+            </a:r>
+            <a:endParaRPr lang="en-GB" dirty="0"/>
+          </a:p>
+          <a:p>
+            <a:pPr marL="285750" indent="-285750">
+              <a:buFont typeface="Arial" pitchFamily="34" charset="0"/>
+              <a:buChar char="•"/>
+            </a:pPr>
+            <a:r>
+              <a:rPr lang="en-GB" dirty="0" smtClean="0"/>
+              <a:t>Block &amp; thread count</a:t>
+            </a:r>
+          </a:p>
+          <a:p>
+            <a:pPr marL="285750" indent="-285750">
+              <a:buFont typeface="Arial" pitchFamily="34" charset="0"/>
+              <a:buChar char="•"/>
+            </a:pPr>
+            <a:r>
+              <a:rPr lang="en-GB" dirty="0" smtClean="0"/>
+              <a:t>…</a:t>
+            </a:r>
+            <a:endParaRPr lang="en-GB" dirty="0"/>
+          </a:p>
+        </p:txBody>
+      </p:sp>
+      <p:sp>
+        <p:nvSpPr>
+          <p:cNvPr id="16" name="TextBox 15"/>
+          <p:cNvSpPr txBox="1"/>
+          <p:nvPr/>
+        </p:nvSpPr>
+        <p:spPr>
+          <a:xfrm>
+            <a:off x="2447764" y="3238524"/>
+            <a:ext cx="2448272" cy="307777"/>
+          </a:xfrm>
+          <a:prstGeom prst="rect">
+            <a:avLst/>
+          </a:prstGeom>
+          <a:noFill/>
+        </p:spPr>
+        <p:txBody>
+          <a:bodyPr wrap="square" rtlCol="0">
+            <a:spAutoFit/>
+          </a:bodyPr>
+          <a:lstStyle/>
+          <a:p>
+            <a:r>
+              <a:rPr lang="en-GB" sz="1400" dirty="0" smtClean="0"/>
+              <a:t>operator_generator.py</a:t>
+            </a:r>
+            <a:endParaRPr lang="en-GB" sz="1400" dirty="0"/>
+          </a:p>
+        </p:txBody>
+      </p:sp>
+      <p:sp>
+        <p:nvSpPr>
+          <p:cNvPr id="17" name="TextBox 16"/>
+          <p:cNvSpPr txBox="1"/>
+          <p:nvPr/>
+        </p:nvSpPr>
+        <p:spPr>
+          <a:xfrm>
+            <a:off x="5796136" y="1216497"/>
+            <a:ext cx="2160240" cy="307777"/>
+          </a:xfrm>
+          <a:prstGeom prst="rect">
+            <a:avLst/>
+          </a:prstGeom>
+          <a:noFill/>
+        </p:spPr>
+        <p:txBody>
+          <a:bodyPr wrap="square" rtlCol="0">
+            <a:spAutoFit/>
+          </a:bodyPr>
+          <a:lstStyle/>
+          <a:p>
+            <a:r>
+              <a:rPr lang="en-GB" sz="1400" dirty="0" err="1" smtClean="0"/>
+              <a:t>operations.h</a:t>
+            </a:r>
+            <a:endParaRPr lang="en-GB" sz="1400" dirty="0"/>
+          </a:p>
+        </p:txBody>
+      </p:sp>
+      <p:pic>
+        <p:nvPicPr>
+          <p:cNvPr id="18" name="Picture 17"/>
+          <p:cNvPicPr>
+            <a:picLocks noChangeAspect="1"/>
+          </p:cNvPicPr>
+          <p:nvPr/>
+        </p:nvPicPr>
+        <p:blipFill>
+          <a:blip r:embed="rId7">
+            <a:extLst>
+              <a:ext uri="{28A0092B-C50C-407E-A947-70E740481C1C}">
+                <a14:useLocalDpi xmlns:a14="http://schemas.microsoft.com/office/drawing/2010/main" val="0"/>
+              </a:ext>
+            </a:extLst>
+          </a:blip>
+          <a:stretch>
+            <a:fillRect/>
+          </a:stretch>
+        </p:blipFill>
+        <p:spPr>
+          <a:xfrm>
+            <a:off x="3637425" y="153167"/>
+            <a:ext cx="5325533" cy="1061508"/>
+          </a:xfrm>
+          <a:prstGeom prst="rect">
+            <a:avLst/>
+          </a:prstGeom>
+        </p:spPr>
+      </p:pic>
+      <p:sp>
+        <p:nvSpPr>
+          <p:cNvPr id="19" name="Bent Arrow 18"/>
+          <p:cNvSpPr/>
+          <p:nvPr/>
+        </p:nvSpPr>
+        <p:spPr>
+          <a:xfrm>
+            <a:off x="2771800" y="551042"/>
+            <a:ext cx="792088" cy="850005"/>
+          </a:xfrm>
+          <a:prstGeom prst="bentArrow">
+            <a:avLst/>
+          </a:prstGeom>
+        </p:spPr>
+        <p:style>
+          <a:lnRef idx="2">
+            <a:schemeClr val="accent1">
+              <a:shade val="50000"/>
+            </a:schemeClr>
+          </a:lnRef>
+          <a:fillRef idx="1">
+            <a:schemeClr val="accent1"/>
+          </a:fillRef>
+          <a:effectRef idx="0">
+            <a:schemeClr val="accent1"/>
+          </a:effectRef>
+          <a:fontRef idx="minor">
+            <a:schemeClr val="lt1"/>
+          </a:fontRef>
+        </p:style>
+        <p:txBody>
+          <a:bodyPr rtlCol="0" anchor="ctr"/>
+          <a:lstStyle/>
+          <a:p>
+            <a:pPr algn="ctr"/>
+            <a:endParaRPr lang="en-GB">
+              <a:solidFill>
+                <a:schemeClr val="tx1"/>
+              </a:solidFill>
+            </a:endParaRPr>
+          </a:p>
+        </p:txBody>
+      </p:sp>
+      <p:sp>
+        <p:nvSpPr>
+          <p:cNvPr id="20" name="Bent Arrow 19"/>
+          <p:cNvSpPr/>
+          <p:nvPr/>
+        </p:nvSpPr>
+        <p:spPr>
+          <a:xfrm rot="10800000">
+            <a:off x="7437631" y="1401047"/>
+            <a:ext cx="997824" cy="1188132"/>
+          </a:xfrm>
+          <a:prstGeom prst="bentArrow">
+            <a:avLst/>
+          </a:prstGeom>
+        </p:spPr>
+        <p:style>
+          <a:lnRef idx="2">
+            <a:schemeClr val="accent1">
+              <a:shade val="50000"/>
+            </a:schemeClr>
+          </a:lnRef>
+          <a:fillRef idx="1">
+            <a:schemeClr val="accent1"/>
+          </a:fillRef>
+          <a:effectRef idx="0">
+            <a:schemeClr val="accent1"/>
+          </a:effectRef>
+          <a:fontRef idx="minor">
+            <a:schemeClr val="lt1"/>
+          </a:fontRef>
+        </p:style>
+        <p:txBody>
+          <a:bodyPr rtlCol="0" anchor="ctr"/>
+          <a:lstStyle/>
+          <a:p>
+            <a:pPr algn="ctr"/>
+            <a:endParaRPr lang="en-GB">
+              <a:solidFill>
+                <a:schemeClr val="tx1"/>
+              </a:solidFill>
+            </a:endParaRPr>
+          </a:p>
+        </p:txBody>
+      </p:sp>
+      <p:pic>
+        <p:nvPicPr>
+          <p:cNvPr id="21" name="Picture 20"/>
+          <p:cNvPicPr>
+            <a:picLocks noChangeAspect="1"/>
+          </p:cNvPicPr>
+          <p:nvPr/>
+        </p:nvPicPr>
+        <p:blipFill>
+          <a:blip r:embed="rId8" cstate="print">
+            <a:extLst>
+              <a:ext uri="{28A0092B-C50C-407E-A947-70E740481C1C}">
+                <a14:useLocalDpi xmlns:a14="http://schemas.microsoft.com/office/drawing/2010/main" val="0"/>
+              </a:ext>
+            </a:extLst>
+          </a:blip>
+          <a:stretch>
+            <a:fillRect/>
+          </a:stretch>
+        </p:blipFill>
+        <p:spPr>
+          <a:xfrm>
+            <a:off x="1679340" y="4694742"/>
+            <a:ext cx="1686586" cy="1686586"/>
+          </a:xfrm>
+          <a:prstGeom prst="rect">
+            <a:avLst/>
+          </a:prstGeom>
+        </p:spPr>
+      </p:pic>
+      <p:sp>
+        <p:nvSpPr>
+          <p:cNvPr id="22" name="TextBox 21"/>
+          <p:cNvSpPr txBox="1"/>
+          <p:nvPr/>
+        </p:nvSpPr>
+        <p:spPr>
+          <a:xfrm>
+            <a:off x="1187624" y="6300028"/>
+            <a:ext cx="1236028" cy="369332"/>
+          </a:xfrm>
+          <a:prstGeom prst="rect">
+            <a:avLst/>
+          </a:prstGeom>
+          <a:noFill/>
+        </p:spPr>
+        <p:txBody>
+          <a:bodyPr wrap="square" rtlCol="0">
+            <a:spAutoFit/>
+          </a:bodyPr>
+          <a:lstStyle/>
+          <a:p>
+            <a:r>
+              <a:rPr lang="en-GB" dirty="0" smtClean="0"/>
+              <a:t>execution</a:t>
+            </a:r>
+            <a:endParaRPr lang="en-GB" dirty="0"/>
           </a:p>
         </p:txBody>
       </p:sp>
     </p:spTree>
     <p:extLst>
       <p:ext uri="{BB962C8B-B14F-4D97-AF65-F5344CB8AC3E}">
-        <p14:creationId xmlns:p14="http://schemas.microsoft.com/office/powerpoint/2010/main" val="4160423180"/>
+        <p14:creationId xmlns:p14="http://schemas.microsoft.com/office/powerpoint/2010/main" val="2036134894"/>
       </p:ext>
     </p:extLst>
   </p:cSld>
   <p:clrMapOvr>
     <a:masterClrMapping/>
   </p:clrMapOvr>
+  <p:timing>
+    <p:tnLst>
+      <p:par>
+        <p:cTn id="1" dur="indefinite" restart="never" nodeType="tmRoot"/>
+      </p:par>
+    </p:tnLst>
+  </p:timing>
 </p:sld>
 </file>
 

--- a/report/Presentation.pptx
+++ b/report/Presentation.pptx
@@ -25,8 +25,9 @@
     <p:sldId id="283" r:id="rId19"/>
     <p:sldId id="272" r:id="rId20"/>
     <p:sldId id="274" r:id="rId21"/>
-    <p:sldId id="275" r:id="rId22"/>
-    <p:sldId id="276" r:id="rId23"/>
+    <p:sldId id="284" r:id="rId22"/>
+    <p:sldId id="275" r:id="rId23"/>
+    <p:sldId id="276" r:id="rId24"/>
   </p:sldIdLst>
   <p:sldSz cx="9144000" cy="6858000" type="screen4x3"/>
   <p:notesSz cx="6858000" cy="9144000"/>
@@ -3703,7 +3704,9 @@
         </p:nvSpPr>
         <p:spPr/>
         <p:txBody>
-          <a:bodyPr/>
+          <a:bodyPr>
+            <a:normAutofit/>
+          </a:bodyPr>
           <a:lstStyle/>
           <a:p>
             <a:r>
@@ -3748,7 +3751,40 @@
           <a:p>
             <a:r>
               <a:rPr lang="en-GB" dirty="0" smtClean="0"/>
-              <a:t>Montgomery Reduction*</a:t>
+              <a:t>Montgomery Reduction</a:t>
+            </a:r>
+            <a:r>
+              <a:rPr lang="en-GB" dirty="0" smtClean="0"/>
+              <a:t>*</a:t>
+            </a:r>
+          </a:p>
+        </p:txBody>
+      </p:sp>
+      <p:sp>
+        <p:nvSpPr>
+          <p:cNvPr id="5" name="TextBox 4"/>
+          <p:cNvSpPr txBox="1"/>
+          <p:nvPr/>
+        </p:nvSpPr>
+        <p:spPr>
+          <a:xfrm>
+            <a:off x="7452320" y="6199136"/>
+            <a:ext cx="1342291" cy="369332"/>
+          </a:xfrm>
+          <a:prstGeom prst="rect">
+            <a:avLst/>
+          </a:prstGeom>
+          <a:noFill/>
+        </p:spPr>
+        <p:txBody>
+          <a:bodyPr wrap="none" rtlCol="0">
+            <a:spAutoFit/>
+          </a:bodyPr>
+          <a:lstStyle/>
+          <a:p>
+            <a:r>
+              <a:rPr lang="en-GB" dirty="0" smtClean="0"/>
+              <a:t>* unfinished</a:t>
             </a:r>
             <a:endParaRPr lang="en-GB" dirty="0"/>
           </a:p>
@@ -5431,39 +5467,82 @@
       </p:grpSpPr>
       <p:sp>
         <p:nvSpPr>
-          <p:cNvPr id="2" name="TextBox 1"/>
-          <p:cNvSpPr txBox="1"/>
-          <p:nvPr/>
+          <p:cNvPr id="2" name="Title 1"/>
+          <p:cNvSpPr>
+            <a:spLocks noGrp="1"/>
+          </p:cNvSpPr>
+          <p:nvPr>
+            <p:ph type="title"/>
+          </p:nvPr>
+        </p:nvSpPr>
+        <p:spPr/>
+        <p:txBody>
+          <a:bodyPr/>
+          <a:lstStyle/>
+          <a:p>
+            <a:r>
+              <a:rPr lang="en-GB" dirty="0" smtClean="0"/>
+              <a:t>… it was only the beginning</a:t>
+            </a:r>
+            <a:endParaRPr lang="en-GB" dirty="0"/>
+          </a:p>
+        </p:txBody>
+      </p:sp>
+      <p:sp>
+        <p:nvSpPr>
+          <p:cNvPr id="3" name="Content Placeholder 2"/>
+          <p:cNvSpPr>
+            <a:spLocks noGrp="1"/>
+          </p:cNvSpPr>
+          <p:nvPr>
+            <p:ph idx="1"/>
+          </p:nvPr>
         </p:nvSpPr>
         <p:spPr>
           <a:xfrm>
-            <a:off x="2854800" y="2852936"/>
-            <a:ext cx="3683381" cy="1015663"/>
-          </a:xfrm>
-          <a:prstGeom prst="rect">
-            <a:avLst/>
-          </a:prstGeom>
-          <a:noFill/>
-        </p:spPr>
-        <p:txBody>
-          <a:bodyPr wrap="none" rtlCol="0">
-            <a:spAutoFit/>
-          </a:bodyPr>
-          <a:lstStyle/>
-          <a:p>
-            <a:pPr algn="ctr"/>
-            <a:r>
-              <a:rPr lang="en-GB" sz="6000" dirty="0" smtClean="0"/>
-              <a:t>Questions?</a:t>
-            </a:r>
-            <a:endParaRPr lang="en-GB" sz="6000" dirty="0"/>
+            <a:off x="457200" y="1628800"/>
+            <a:ext cx="8229600" cy="4525963"/>
+          </a:xfrm>
+        </p:spPr>
+        <p:txBody>
+          <a:bodyPr/>
+          <a:lstStyle/>
+          <a:p>
+            <a:r>
+              <a:rPr lang="en-GB" dirty="0" smtClean="0"/>
+              <a:t>Montgomery multiplication</a:t>
+            </a:r>
+          </a:p>
+          <a:p>
+            <a:r>
+              <a:rPr lang="en-GB" dirty="0" smtClean="0"/>
+              <a:t>Modular exponentiation</a:t>
+            </a:r>
+          </a:p>
+          <a:p>
+            <a:r>
+              <a:rPr lang="en-GB" dirty="0" smtClean="0"/>
+              <a:t>Modular inversion</a:t>
+            </a:r>
+          </a:p>
+          <a:p>
+            <a:endParaRPr lang="en-GB" dirty="0"/>
+          </a:p>
+          <a:p>
+            <a:pPr marL="0" indent="0">
+              <a:buNone/>
+            </a:pPr>
+            <a:r>
+              <a:rPr lang="en-GB" dirty="0" smtClean="0"/>
+              <a:t>Use arithmetic to implement some algorithms (RSA, Pollard’s Rho, …)</a:t>
+            </a:r>
           </a:p>
         </p:txBody>
       </p:sp>
     </p:spTree>
     <p:extLst>
       <p:ext uri="{BB962C8B-B14F-4D97-AF65-F5344CB8AC3E}">
-        <p14:creationId xmlns:p14="http://schemas.microsoft.com/office/powerpoint/2010/main" val="1859606178"/>
+        <p14:creationId xmlns:p14="http://schemas.microsoft.com/office/powerpoint/2010/main" val="2608219965"/>
       </p:ext>
     </p:extLst>
   </p:cSld>
@@ -5499,6 +5578,74 @@
       </p:grpSpPr>
       <p:sp>
         <p:nvSpPr>
+          <p:cNvPr id="2" name="TextBox 1"/>
+          <p:cNvSpPr txBox="1"/>
+          <p:nvPr/>
+        </p:nvSpPr>
+        <p:spPr>
+          <a:xfrm>
+            <a:off x="2854800" y="2852936"/>
+            <a:ext cx="3683381" cy="1015663"/>
+          </a:xfrm>
+          <a:prstGeom prst="rect">
+            <a:avLst/>
+          </a:prstGeom>
+          <a:noFill/>
+        </p:spPr>
+        <p:txBody>
+          <a:bodyPr wrap="none" rtlCol="0">
+            <a:spAutoFit/>
+          </a:bodyPr>
+          <a:lstStyle/>
+          <a:p>
+            <a:pPr algn="ctr"/>
+            <a:r>
+              <a:rPr lang="en-GB" sz="6000" dirty="0" smtClean="0"/>
+              <a:t>Questions?</a:t>
+            </a:r>
+            <a:endParaRPr lang="en-GB" sz="6000" dirty="0"/>
+          </a:p>
+        </p:txBody>
+      </p:sp>
+    </p:spTree>
+    <p:extLst>
+      <p:ext uri="{BB962C8B-B14F-4D97-AF65-F5344CB8AC3E}">
+        <p14:creationId xmlns:p14="http://schemas.microsoft.com/office/powerpoint/2010/main" val="1859606178"/>
+      </p:ext>
+    </p:extLst>
+  </p:cSld>
+  <p:clrMapOvr>
+    <a:masterClrMapping/>
+  </p:clrMapOvr>
+  <p:timing>
+    <p:tnLst>
+      <p:par>
+        <p:cTn id="1" dur="indefinite" restart="never" nodeType="tmRoot"/>
+      </p:par>
+    </p:tnLst>
+  </p:timing>
+</p:sld>
+</file>
+
+<file path=ppt/slides/slide23.xml><?xml version="1.0" encoding="utf-8"?>
+<p:sld xmlns:a="http://schemas.openxmlformats.org/drawingml/2006/main" xmlns:r="http://schemas.openxmlformats.org/officeDocument/2006/relationships" xmlns:p="http://schemas.openxmlformats.org/presentationml/2006/main">
+  <p:cSld>
+    <p:spTree>
+      <p:nvGrpSpPr>
+        <p:cNvPr id="1" name=""/>
+        <p:cNvGrpSpPr/>
+        <p:nvPr/>
+      </p:nvGrpSpPr>
+      <p:grpSpPr>
+        <a:xfrm>
+          <a:off x="0" y="0"/>
+          <a:ext cx="0" cy="0"/>
+          <a:chOff x="0" y="0"/>
+          <a:chExt cx="0" cy="0"/>
+        </a:xfrm>
+      </p:grpSpPr>
+      <p:sp>
+        <p:nvSpPr>
           <p:cNvPr id="2" name="Title 1"/>
           <p:cNvSpPr>
             <a:spLocks noGrp="1"/>
@@ -5518,10 +5665,10 @@
           <a:lstStyle/>
           <a:p>
             <a:r>
-              <a:rPr lang="en-GB" dirty="0" smtClean="0"/>
+              <a:rPr lang="en-GB" sz="6600" dirty="0" smtClean="0"/>
               <a:t>Thanks</a:t>
             </a:r>
-            <a:endParaRPr lang="en-GB" dirty="0"/>
+            <a:endParaRPr lang="en-GB" sz="6600" dirty="0"/>
           </a:p>
         </p:txBody>
       </p:sp>
@@ -6040,7 +6187,12 @@
             <p:ph idx="1"/>
           </p:nvPr>
         </p:nvSpPr>
-        <p:spPr/>
+        <p:spPr>
+          <a:xfrm>
+            <a:off x="446856" y="1600200"/>
+            <a:ext cx="8229600" cy="4525963"/>
+          </a:xfrm>
+        </p:spPr>
         <p:txBody>
           <a:bodyPr/>
           <a:lstStyle/>
@@ -6087,8 +6239,25 @@
             <a:pPr lvl="1"/>
             <a:r>
               <a:rPr lang="en-GB" dirty="0" smtClean="0"/>
-              <a:t>Like C, not configurable either</a:t>
-            </a:r>
+              <a:t>Like C, </a:t>
+            </a:r>
+            <a:r>
+              <a:rPr lang="en-GB" dirty="0" smtClean="0"/>
+              <a:t>only </a:t>
+            </a:r>
+            <a:r>
+              <a:rPr lang="en-GB" dirty="0" smtClean="0">
+                <a:solidFill>
+                  <a:srgbClr val="FF0000"/>
+                </a:solidFill>
+              </a:rPr>
+              <a:t>one</a:t>
+            </a:r>
+            <a:r>
+              <a:rPr lang="en-GB" dirty="0" smtClean="0"/>
+              <a:t> version of optimized code</a:t>
+            </a:r>
+            <a:endParaRPr lang="en-GB" dirty="0" smtClean="0"/>
           </a:p>
         </p:txBody>
       </p:sp>
